--- a/Report/presentation_2.pptx
+++ b/Report/presentation_2.pptx
@@ -17,15 +17,15 @@
     <p:sldId id="262" r:id="rId8"/>
     <p:sldId id="266" r:id="rId9"/>
     <p:sldId id="263" r:id="rId10"/>
-    <p:sldId id="269" r:id="rId11"/>
-    <p:sldId id="271" r:id="rId12"/>
-    <p:sldId id="274" r:id="rId13"/>
-    <p:sldId id="275" r:id="rId14"/>
-    <p:sldId id="276" r:id="rId15"/>
-    <p:sldId id="279" r:id="rId16"/>
-    <p:sldId id="277" r:id="rId17"/>
-    <p:sldId id="278" r:id="rId18"/>
-    <p:sldId id="280" r:id="rId19"/>
+    <p:sldId id="281" r:id="rId11"/>
+    <p:sldId id="282" r:id="rId12"/>
+    <p:sldId id="271" r:id="rId13"/>
+    <p:sldId id="274" r:id="rId14"/>
+    <p:sldId id="275" r:id="rId15"/>
+    <p:sldId id="276" r:id="rId16"/>
+    <p:sldId id="279" r:id="rId17"/>
+    <p:sldId id="277" r:id="rId18"/>
+    <p:sldId id="278" r:id="rId19"/>
     <p:sldId id="264" r:id="rId20"/>
     <p:sldId id="268" r:id="rId21"/>
   </p:sldIdLst>
@@ -216,7 +216,7 @@
           <a:p>
             <a:fld id="{FDDF5FE0-F804-4E91-803A-7CECEE48BB95}" type="datetimeFigureOut">
               <a:rPr lang="pt-PT" smtClean="0"/>
-              <a:t>27/05/2019</a:t>
+              <a:t>28/05/2019</a:t>
             </a:fld>
             <a:endParaRPr lang="pt-PT"/>
           </a:p>
@@ -613,7 +613,7 @@
           <a:p>
             <a:r>
               <a:rPr lang="pt-PT" dirty="0"/>
-              <a:t>Aluno que já não visita o sistema há mais de uma semana</a:t>
+              <a:t>Explicar por alto cada coleção</a:t>
             </a:r>
           </a:p>
         </p:txBody>
@@ -635,7 +635,7 @@
           <a:p>
             <a:fld id="{F9C76EEC-3DB8-4814-A8C5-185DA6C5A9E9}" type="slidenum">
               <a:rPr lang="pt-PT" smtClean="0"/>
-              <a:t>13</a:t>
+              <a:t>11</a:t>
             </a:fld>
             <a:endParaRPr lang="pt-PT"/>
           </a:p>
@@ -644,7 +644,7 @@
     </p:spTree>
     <p:extLst>
       <p:ext uri="{BB962C8B-B14F-4D97-AF65-F5344CB8AC3E}">
-        <p14:creationId xmlns:p14="http://schemas.microsoft.com/office/powerpoint/2010/main" val="3135787992"/>
+        <p14:creationId xmlns:p14="http://schemas.microsoft.com/office/powerpoint/2010/main" val="2839916676"/>
       </p:ext>
     </p:extLst>
   </p:cSld>
@@ -698,7 +698,10 @@
           <a:bodyPr/>
           <a:lstStyle/>
           <a:p>
-            <a:endParaRPr lang="pt-PT" dirty="0"/>
+            <a:r>
+              <a:rPr lang="pt-PT" dirty="0"/>
+              <a:t>Aluno que já não visita o sistema há mais de uma semana</a:t>
+            </a:r>
           </a:p>
         </p:txBody>
       </p:sp>
@@ -719,7 +722,7 @@
           <a:p>
             <a:fld id="{F9C76EEC-3DB8-4814-A8C5-185DA6C5A9E9}" type="slidenum">
               <a:rPr lang="pt-PT" smtClean="0"/>
-              <a:t>18</a:t>
+              <a:t>14</a:t>
             </a:fld>
             <a:endParaRPr lang="pt-PT"/>
           </a:p>
@@ -728,7 +731,7 @@
     </p:spTree>
     <p:extLst>
       <p:ext uri="{BB962C8B-B14F-4D97-AF65-F5344CB8AC3E}">
-        <p14:creationId xmlns:p14="http://schemas.microsoft.com/office/powerpoint/2010/main" val="2303373365"/>
+        <p14:creationId xmlns:p14="http://schemas.microsoft.com/office/powerpoint/2010/main" val="3135787992"/>
       </p:ext>
     </p:extLst>
   </p:cSld>
@@ -2084,7 +2087,24 @@
           <a:bodyPr/>
           <a:lstStyle/>
           <a:p>
-            <a:endParaRPr lang="pt-PT" dirty="0"/>
+            <a:r>
+              <a:rPr lang="pt-PT" dirty="0" err="1"/>
+              <a:t>Pyknow</a:t>
+            </a:r>
+            <a:r>
+              <a:rPr lang="pt-PT" dirty="0"/>
+              <a:t> para geração de regras</a:t>
+            </a:r>
+          </a:p>
+          <a:p>
+            <a:r>
+              <a:rPr lang="pt-PT" dirty="0" err="1"/>
+              <a:t>Pymongo</a:t>
+            </a:r>
+            <a:r>
+              <a:rPr lang="pt-PT" dirty="0"/>
+              <a:t> para conexão BD</a:t>
+            </a:r>
           </a:p>
         </p:txBody>
       </p:sp>
@@ -2114,7 +2134,7 @@
     </p:spTree>
     <p:extLst>
       <p:ext uri="{BB962C8B-B14F-4D97-AF65-F5344CB8AC3E}">
-        <p14:creationId xmlns:p14="http://schemas.microsoft.com/office/powerpoint/2010/main" val="2155469764"/>
+        <p14:creationId xmlns:p14="http://schemas.microsoft.com/office/powerpoint/2010/main" val="1631278"/>
       </p:ext>
     </p:extLst>
   </p:cSld>
@@ -2350,7 +2370,7 @@
           <a:p>
             <a:fld id="{D3D2C362-FAA5-4C55-BE02-652F59C753E4}" type="datetimeFigureOut">
               <a:rPr lang="pt-PT" smtClean="0"/>
-              <a:t>27/05/2019</a:t>
+              <a:t>28/05/2019</a:t>
             </a:fld>
             <a:endParaRPr lang="pt-PT"/>
           </a:p>
@@ -2561,7 +2581,7 @@
           <a:p>
             <a:fld id="{D3D2C362-FAA5-4C55-BE02-652F59C753E4}" type="datetimeFigureOut">
               <a:rPr lang="pt-PT" smtClean="0"/>
-              <a:t>27/05/2019</a:t>
+              <a:t>28/05/2019</a:t>
             </a:fld>
             <a:endParaRPr lang="pt-PT"/>
           </a:p>
@@ -2820,7 +2840,7 @@
           <a:p>
             <a:fld id="{D3D2C362-FAA5-4C55-BE02-652F59C753E4}" type="datetimeFigureOut">
               <a:rPr lang="pt-PT" smtClean="0"/>
-              <a:t>27/05/2019</a:t>
+              <a:t>28/05/2019</a:t>
             </a:fld>
             <a:endParaRPr lang="pt-PT"/>
           </a:p>
@@ -2997,7 +3017,7 @@
           <a:p>
             <a:fld id="{D3D2C362-FAA5-4C55-BE02-652F59C753E4}" type="datetimeFigureOut">
               <a:rPr lang="pt-PT" smtClean="0"/>
-              <a:t>27/05/2019</a:t>
+              <a:t>28/05/2019</a:t>
             </a:fld>
             <a:endParaRPr lang="pt-PT"/>
           </a:p>
@@ -3343,7 +3363,7 @@
           <a:p>
             <a:fld id="{D3D2C362-FAA5-4C55-BE02-652F59C753E4}" type="datetimeFigureOut">
               <a:rPr lang="pt-PT" smtClean="0"/>
-              <a:t>27/05/2019</a:t>
+              <a:t>28/05/2019</a:t>
             </a:fld>
             <a:endParaRPr lang="pt-PT"/>
           </a:p>
@@ -3621,7 +3641,7 @@
           <a:p>
             <a:fld id="{D3D2C362-FAA5-4C55-BE02-652F59C753E4}" type="datetimeFigureOut">
               <a:rPr lang="pt-PT" smtClean="0"/>
-              <a:t>27/05/2019</a:t>
+              <a:t>28/05/2019</a:t>
             </a:fld>
             <a:endParaRPr lang="pt-PT"/>
           </a:p>
@@ -4003,7 +4023,7 @@
           <a:p>
             <a:fld id="{D3D2C362-FAA5-4C55-BE02-652F59C753E4}" type="datetimeFigureOut">
               <a:rPr lang="pt-PT" smtClean="0"/>
-              <a:t>27/05/2019</a:t>
+              <a:t>28/05/2019</a:t>
             </a:fld>
             <a:endParaRPr lang="pt-PT"/>
           </a:p>
@@ -4124,7 +4144,7 @@
           <a:p>
             <a:fld id="{D3D2C362-FAA5-4C55-BE02-652F59C753E4}" type="datetimeFigureOut">
               <a:rPr lang="pt-PT" smtClean="0"/>
-              <a:t>27/05/2019</a:t>
+              <a:t>28/05/2019</a:t>
             </a:fld>
             <a:endParaRPr lang="pt-PT"/>
           </a:p>
@@ -4298,7 +4318,7 @@
           <a:p>
             <a:fld id="{D3D2C362-FAA5-4C55-BE02-652F59C753E4}" type="datetimeFigureOut">
               <a:rPr lang="pt-PT" smtClean="0"/>
-              <a:t>27/05/2019</a:t>
+              <a:t>28/05/2019</a:t>
             </a:fld>
             <a:endParaRPr lang="pt-PT"/>
           </a:p>
@@ -4655,7 +4675,7 @@
           <a:p>
             <a:fld id="{D3D2C362-FAA5-4C55-BE02-652F59C753E4}" type="datetimeFigureOut">
               <a:rPr lang="pt-PT" smtClean="0"/>
-              <a:t>27/05/2019</a:t>
+              <a:t>28/05/2019</a:t>
             </a:fld>
             <a:endParaRPr lang="pt-PT"/>
           </a:p>
@@ -5040,7 +5060,7 @@
           <a:p>
             <a:fld id="{D3D2C362-FAA5-4C55-BE02-652F59C753E4}" type="datetimeFigureOut">
               <a:rPr lang="pt-PT" smtClean="0"/>
-              <a:t>27/05/2019</a:t>
+              <a:t>28/05/2019</a:t>
             </a:fld>
             <a:endParaRPr lang="pt-PT"/>
           </a:p>
@@ -5330,7 +5350,7 @@
           <a:p>
             <a:fld id="{D3D2C362-FAA5-4C55-BE02-652F59C753E4}" type="datetimeFigureOut">
               <a:rPr lang="pt-PT" smtClean="0"/>
-              <a:t>27/05/2019</a:t>
+              <a:t>28/05/2019</a:t>
             </a:fld>
             <a:endParaRPr lang="pt-PT"/>
           </a:p>
@@ -6051,7 +6071,7 @@
                   </a:schemeClr>
                 </a:solidFill>
               </a:rPr>
-              <a:t>Março de 2019</a:t>
+              <a:t>Maio de 2019</a:t>
             </a:r>
           </a:p>
         </p:txBody>
@@ -6159,7 +6179,7 @@
           <p:cNvPr id="2" name="Título 1">
             <a:extLst>
               <a:ext uri="{FF2B5EF4-FFF2-40B4-BE49-F238E27FC236}">
-                <a16:creationId xmlns:a16="http://schemas.microsoft.com/office/drawing/2014/main" id="{E7F3627F-344B-4BBB-AE8A-D976F33B76F1}"/>
+                <a16:creationId xmlns:a16="http://schemas.microsoft.com/office/drawing/2014/main" id="{6CD544B8-B779-4C93-9564-7B7F57D592E1}"/>
               </a:ext>
             </a:extLst>
           </p:cNvPr>
@@ -6185,36 +6205,366 @@
               </a:rPr>
               <a:t>Instalação e Configuração</a:t>
             </a:r>
-          </a:p>
-        </p:txBody>
-      </p:sp>
-      <p:sp>
-        <p:nvSpPr>
-          <p:cNvPr id="3" name="Marcador de Posição de Conteúdo 2">
+            <a:endParaRPr lang="pt-PT" dirty="0"/>
+          </a:p>
+        </p:txBody>
+      </p:sp>
+      <p:pic>
+        <p:nvPicPr>
+          <p:cNvPr id="7" name="Picture 2" descr="Resultado de imagem para nltk">
             <a:extLst>
               <a:ext uri="{FF2B5EF4-FFF2-40B4-BE49-F238E27FC236}">
-                <a16:creationId xmlns:a16="http://schemas.microsoft.com/office/drawing/2014/main" id="{8FF2DE50-49B0-47EC-8D7A-0F77D0C69A13}"/>
+                <a16:creationId xmlns:a16="http://schemas.microsoft.com/office/drawing/2014/main" id="{C74C8D92-0405-48FA-BD54-D44C7190E649}"/>
               </a:ext>
             </a:extLst>
           </p:cNvPr>
-          <p:cNvSpPr>
-            <a:spLocks noGrp="1"/>
-          </p:cNvSpPr>
-          <p:nvPr>
-            <p:ph idx="1"/>
-          </p:nvPr>
-        </p:nvSpPr>
+          <p:cNvPicPr>
+            <a:picLocks noGrp="1" noChangeAspect="1" noChangeArrowheads="1"/>
+          </p:cNvPicPr>
+          <p:nvPr>
+            <p:ph sz="half" idx="2"/>
+          </p:nvPr>
+        </p:nvPicPr>
+        <p:blipFill>
+          <a:blip r:embed="rId3">
+            <a:extLst>
+              <a:ext uri="{28A0092B-C50C-407E-A947-70E740481C1C}">
+                <a14:useLocalDpi xmlns:a14="http://schemas.microsoft.com/office/drawing/2010/main" val="0"/>
+              </a:ext>
+            </a:extLst>
+          </a:blip>
+          <a:stretch>
+            <a:fillRect/>
+          </a:stretch>
+        </p:blipFill>
+        <p:spPr bwMode="auto">
+          <a:xfrm>
+            <a:off x="1096963" y="2983268"/>
+            <a:ext cx="4938712" cy="2577390"/>
+          </a:xfrm>
+          <a:prstGeom prst="rect">
+            <a:avLst/>
+          </a:prstGeom>
+          <a:noFill/>
+          <a:extLst>
+            <a:ext uri="{909E8E84-426E-40DD-AFC4-6F175D3DCCD1}">
+              <a14:hiddenFill xmlns:a14="http://schemas.microsoft.com/office/drawing/2010/main">
+                <a:solidFill>
+                  <a:srgbClr val="FFFFFF"/>
+                </a:solidFill>
+              </a14:hiddenFill>
+            </a:ext>
+          </a:extLst>
+        </p:spPr>
+      </p:pic>
+      <p:pic>
+        <p:nvPicPr>
+          <p:cNvPr id="11" name="Marcador de Posição de Conteúdo 10">
+            <a:extLst>
+              <a:ext uri="{FF2B5EF4-FFF2-40B4-BE49-F238E27FC236}">
+                <a16:creationId xmlns:a16="http://schemas.microsoft.com/office/drawing/2014/main" id="{3185E0C1-3498-4986-957F-C1EF6E29B71E}"/>
+              </a:ext>
+            </a:extLst>
+          </p:cNvPr>
+          <p:cNvPicPr>
+            <a:picLocks noGrp="1" noChangeAspect="1"/>
+          </p:cNvPicPr>
+          <p:nvPr>
+            <p:ph sz="quarter" idx="4"/>
+          </p:nvPr>
+        </p:nvPicPr>
+        <p:blipFill>
+          <a:blip r:embed="rId4">
+            <a:extLst>
+              <a:ext uri="{28A0092B-C50C-407E-A947-70E740481C1C}">
+                <a14:useLocalDpi xmlns:a14="http://schemas.microsoft.com/office/drawing/2010/main" val="0"/>
+              </a:ext>
+            </a:extLst>
+          </a:blip>
+          <a:stretch>
+            <a:fillRect/>
+          </a:stretch>
+        </p:blipFill>
         <p:spPr>
           <a:xfrm>
-            <a:off x="1208493" y="1964266"/>
-            <a:ext cx="10058400" cy="4023360"/>
+            <a:off x="6218238" y="3438156"/>
+            <a:ext cx="4937125" cy="1667614"/>
           </a:xfrm>
         </p:spPr>
-        <p:txBody>
-          <a:bodyPr>
+      </p:pic>
+      <p:sp>
+        <p:nvSpPr>
+          <p:cNvPr id="12" name="Marcador de Posição de Conteúdo 5">
+            <a:extLst>
+              <a:ext uri="{FF2B5EF4-FFF2-40B4-BE49-F238E27FC236}">
+                <a16:creationId xmlns:a16="http://schemas.microsoft.com/office/drawing/2014/main" id="{B5783865-4504-4C48-812E-C329538CEDA4}"/>
+              </a:ext>
+            </a:extLst>
+          </p:cNvPr>
+          <p:cNvSpPr txBox="1">
+            <a:spLocks/>
+          </p:cNvSpPr>
+          <p:nvPr/>
+        </p:nvSpPr>
+        <p:spPr>
+          <a:xfrm>
+            <a:off x="1036320" y="1894278"/>
+            <a:ext cx="4937760" cy="954298"/>
+          </a:xfrm>
+          <a:prstGeom prst="rect">
+            <a:avLst/>
+          </a:prstGeom>
+        </p:spPr>
+        <p:txBody>
+          <a:bodyPr vert="horz" lIns="0" tIns="45720" rIns="0" bIns="45720" rtlCol="0">
             <a:normAutofit/>
           </a:bodyPr>
-          <a:lstStyle/>
+          <a:lstStyle>
+            <a:lvl1pPr marL="91440" indent="-91440" algn="l" defTabSz="914400" rtl="0" eaLnBrk="1" latinLnBrk="0" hangingPunct="1">
+              <a:lnSpc>
+                <a:spcPct val="90000"/>
+              </a:lnSpc>
+              <a:spcBef>
+                <a:spcPts val="1200"/>
+              </a:spcBef>
+              <a:spcAft>
+                <a:spcPts val="200"/>
+              </a:spcAft>
+              <a:buClr>
+                <a:schemeClr val="accent1"/>
+              </a:buClr>
+              <a:buSzPct val="100000"/>
+              <a:buFont typeface="Calibri" panose="020F0502020204030204" pitchFamily="34" charset="0"/>
+              <a:buChar char=" "/>
+              <a:defRPr sz="2000" kern="1200">
+                <a:solidFill>
+                  <a:schemeClr val="tx1">
+                    <a:lumMod val="75000"/>
+                    <a:lumOff val="25000"/>
+                  </a:schemeClr>
+                </a:solidFill>
+                <a:latin typeface="+mn-lt"/>
+                <a:ea typeface="+mn-ea"/>
+                <a:cs typeface="+mn-cs"/>
+              </a:defRPr>
+            </a:lvl1pPr>
+            <a:lvl2pPr marL="384048" indent="-182880" algn="l" defTabSz="914400" rtl="0" eaLnBrk="1" latinLnBrk="0" hangingPunct="1">
+              <a:lnSpc>
+                <a:spcPct val="90000"/>
+              </a:lnSpc>
+              <a:spcBef>
+                <a:spcPts val="200"/>
+              </a:spcBef>
+              <a:spcAft>
+                <a:spcPts val="400"/>
+              </a:spcAft>
+              <a:buClr>
+                <a:schemeClr val="accent1"/>
+              </a:buClr>
+              <a:buFont typeface="Calibri" pitchFamily="34" charset="0"/>
+              <a:buChar char="◦"/>
+              <a:defRPr sz="1800" kern="1200">
+                <a:solidFill>
+                  <a:schemeClr val="tx1">
+                    <a:lumMod val="75000"/>
+                    <a:lumOff val="25000"/>
+                  </a:schemeClr>
+                </a:solidFill>
+                <a:latin typeface="+mn-lt"/>
+                <a:ea typeface="+mn-ea"/>
+                <a:cs typeface="+mn-cs"/>
+              </a:defRPr>
+            </a:lvl2pPr>
+            <a:lvl3pPr marL="566928" indent="-182880" algn="l" defTabSz="914400" rtl="0" eaLnBrk="1" latinLnBrk="0" hangingPunct="1">
+              <a:lnSpc>
+                <a:spcPct val="90000"/>
+              </a:lnSpc>
+              <a:spcBef>
+                <a:spcPts val="200"/>
+              </a:spcBef>
+              <a:spcAft>
+                <a:spcPts val="400"/>
+              </a:spcAft>
+              <a:buClr>
+                <a:schemeClr val="accent1"/>
+              </a:buClr>
+              <a:buFont typeface="Calibri" pitchFamily="34" charset="0"/>
+              <a:buChar char="◦"/>
+              <a:defRPr sz="1400" kern="1200">
+                <a:solidFill>
+                  <a:schemeClr val="tx1">
+                    <a:lumMod val="75000"/>
+                    <a:lumOff val="25000"/>
+                  </a:schemeClr>
+                </a:solidFill>
+                <a:latin typeface="+mn-lt"/>
+                <a:ea typeface="+mn-ea"/>
+                <a:cs typeface="+mn-cs"/>
+              </a:defRPr>
+            </a:lvl3pPr>
+            <a:lvl4pPr marL="749808" indent="-182880" algn="l" defTabSz="914400" rtl="0" eaLnBrk="1" latinLnBrk="0" hangingPunct="1">
+              <a:lnSpc>
+                <a:spcPct val="90000"/>
+              </a:lnSpc>
+              <a:spcBef>
+                <a:spcPts val="200"/>
+              </a:spcBef>
+              <a:spcAft>
+                <a:spcPts val="400"/>
+              </a:spcAft>
+              <a:buClr>
+                <a:schemeClr val="accent1"/>
+              </a:buClr>
+              <a:buFont typeface="Calibri" pitchFamily="34" charset="0"/>
+              <a:buChar char="◦"/>
+              <a:defRPr sz="1400" kern="1200">
+                <a:solidFill>
+                  <a:schemeClr val="tx1">
+                    <a:lumMod val="75000"/>
+                    <a:lumOff val="25000"/>
+                  </a:schemeClr>
+                </a:solidFill>
+                <a:latin typeface="+mn-lt"/>
+                <a:ea typeface="+mn-ea"/>
+                <a:cs typeface="+mn-cs"/>
+              </a:defRPr>
+            </a:lvl4pPr>
+            <a:lvl5pPr marL="932688" indent="-182880" algn="l" defTabSz="914400" rtl="0" eaLnBrk="1" latinLnBrk="0" hangingPunct="1">
+              <a:lnSpc>
+                <a:spcPct val="90000"/>
+              </a:lnSpc>
+              <a:spcBef>
+                <a:spcPts val="200"/>
+              </a:spcBef>
+              <a:spcAft>
+                <a:spcPts val="400"/>
+              </a:spcAft>
+              <a:buClr>
+                <a:schemeClr val="accent1"/>
+              </a:buClr>
+              <a:buFont typeface="Calibri" pitchFamily="34" charset="0"/>
+              <a:buChar char="◦"/>
+              <a:defRPr sz="1400" kern="1200">
+                <a:solidFill>
+                  <a:schemeClr val="tx1">
+                    <a:lumMod val="75000"/>
+                    <a:lumOff val="25000"/>
+                  </a:schemeClr>
+                </a:solidFill>
+                <a:latin typeface="+mn-lt"/>
+                <a:ea typeface="+mn-ea"/>
+                <a:cs typeface="+mn-cs"/>
+              </a:defRPr>
+            </a:lvl5pPr>
+            <a:lvl6pPr marL="1100000" indent="-228600" algn="l" defTabSz="914400" rtl="0" eaLnBrk="1" latinLnBrk="0" hangingPunct="1">
+              <a:lnSpc>
+                <a:spcPct val="90000"/>
+              </a:lnSpc>
+              <a:spcBef>
+                <a:spcPts val="200"/>
+              </a:spcBef>
+              <a:spcAft>
+                <a:spcPts val="400"/>
+              </a:spcAft>
+              <a:buClr>
+                <a:schemeClr val="accent1"/>
+              </a:buClr>
+              <a:buFont typeface="Calibri" pitchFamily="34" charset="0"/>
+              <a:buChar char="◦"/>
+              <a:defRPr sz="1400" kern="1200">
+                <a:solidFill>
+                  <a:schemeClr val="tx1">
+                    <a:lumMod val="75000"/>
+                    <a:lumOff val="25000"/>
+                  </a:schemeClr>
+                </a:solidFill>
+                <a:latin typeface="+mn-lt"/>
+                <a:ea typeface="+mn-ea"/>
+                <a:cs typeface="+mn-cs"/>
+              </a:defRPr>
+            </a:lvl6pPr>
+            <a:lvl7pPr marL="1300000" indent="-228600" algn="l" defTabSz="914400" rtl="0" eaLnBrk="1" latinLnBrk="0" hangingPunct="1">
+              <a:lnSpc>
+                <a:spcPct val="90000"/>
+              </a:lnSpc>
+              <a:spcBef>
+                <a:spcPts val="200"/>
+              </a:spcBef>
+              <a:spcAft>
+                <a:spcPts val="400"/>
+              </a:spcAft>
+              <a:buClr>
+                <a:schemeClr val="accent1"/>
+              </a:buClr>
+              <a:buFont typeface="Calibri" pitchFamily="34" charset="0"/>
+              <a:buChar char="◦"/>
+              <a:defRPr sz="1400" kern="1200">
+                <a:solidFill>
+                  <a:schemeClr val="tx1">
+                    <a:lumMod val="75000"/>
+                    <a:lumOff val="25000"/>
+                  </a:schemeClr>
+                </a:solidFill>
+                <a:latin typeface="+mn-lt"/>
+                <a:ea typeface="+mn-ea"/>
+                <a:cs typeface="+mn-cs"/>
+              </a:defRPr>
+            </a:lvl7pPr>
+            <a:lvl8pPr marL="1500000" indent="-228600" algn="l" defTabSz="914400" rtl="0" eaLnBrk="1" latinLnBrk="0" hangingPunct="1">
+              <a:lnSpc>
+                <a:spcPct val="90000"/>
+              </a:lnSpc>
+              <a:spcBef>
+                <a:spcPts val="200"/>
+              </a:spcBef>
+              <a:spcAft>
+                <a:spcPts val="400"/>
+              </a:spcAft>
+              <a:buClr>
+                <a:schemeClr val="accent1"/>
+              </a:buClr>
+              <a:buFont typeface="Calibri" pitchFamily="34" charset="0"/>
+              <a:buChar char="◦"/>
+              <a:defRPr sz="1400" kern="1200">
+                <a:solidFill>
+                  <a:schemeClr val="tx1">
+                    <a:lumMod val="75000"/>
+                    <a:lumOff val="25000"/>
+                  </a:schemeClr>
+                </a:solidFill>
+                <a:latin typeface="+mn-lt"/>
+                <a:ea typeface="+mn-ea"/>
+                <a:cs typeface="+mn-cs"/>
+              </a:defRPr>
+            </a:lvl8pPr>
+            <a:lvl9pPr marL="1700000" indent="-228600" algn="l" defTabSz="914400" rtl="0" eaLnBrk="1" latinLnBrk="0" hangingPunct="1">
+              <a:lnSpc>
+                <a:spcPct val="90000"/>
+              </a:lnSpc>
+              <a:spcBef>
+                <a:spcPts val="200"/>
+              </a:spcBef>
+              <a:spcAft>
+                <a:spcPts val="400"/>
+              </a:spcAft>
+              <a:buClr>
+                <a:schemeClr val="accent1"/>
+              </a:buClr>
+              <a:buFont typeface="Calibri" pitchFamily="34" charset="0"/>
+              <a:buChar char="◦"/>
+              <a:defRPr sz="1400" kern="1200">
+                <a:solidFill>
+                  <a:schemeClr val="tx1">
+                    <a:lumMod val="75000"/>
+                    <a:lumOff val="25000"/>
+                  </a:schemeClr>
+                </a:solidFill>
+                <a:latin typeface="+mn-lt"/>
+                <a:ea typeface="+mn-ea"/>
+                <a:cs typeface="+mn-cs"/>
+              </a:defRPr>
+            </a:lvl9pPr>
+          </a:lstStyle>
           <a:p>
             <a:pPr>
               <a:buFont typeface="Wingdings" panose="05000000000000000000" pitchFamily="2" charset="2"/>
@@ -6222,7 +6572,344 @@
             </a:pPr>
             <a:r>
               <a:rPr lang="pt-PT" dirty="0"/>
-              <a:t> ?</a:t>
+              <a:t> Versão 3.4.1</a:t>
+            </a:r>
+          </a:p>
+          <a:p>
+            <a:pPr>
+              <a:buFont typeface="Wingdings" panose="05000000000000000000" pitchFamily="2" charset="2"/>
+              <a:buChar char="q"/>
+            </a:pPr>
+            <a:r>
+              <a:rPr lang="pt-PT" dirty="0"/>
+              <a:t> Bibliotecas </a:t>
+            </a:r>
+            <a:r>
+              <a:rPr lang="pt-PT" dirty="0" err="1"/>
+              <a:t>Tokenize</a:t>
+            </a:r>
+            <a:r>
+              <a:rPr lang="pt-PT" dirty="0"/>
+              <a:t> e </a:t>
+            </a:r>
+            <a:r>
+              <a:rPr lang="pt-PT" dirty="0" err="1"/>
+              <a:t>Treebank</a:t>
+            </a:r>
+            <a:r>
+              <a:rPr lang="pt-PT" dirty="0"/>
+              <a:t> do NLTK</a:t>
+            </a:r>
+          </a:p>
+        </p:txBody>
+      </p:sp>
+      <p:sp>
+        <p:nvSpPr>
+          <p:cNvPr id="15" name="Marcador de Posição de Conteúdo 5">
+            <a:extLst>
+              <a:ext uri="{FF2B5EF4-FFF2-40B4-BE49-F238E27FC236}">
+                <a16:creationId xmlns:a16="http://schemas.microsoft.com/office/drawing/2014/main" id="{DD45A7B4-B66E-4866-B164-10FBC21089C9}"/>
+              </a:ext>
+            </a:extLst>
+          </p:cNvPr>
+          <p:cNvSpPr txBox="1">
+            <a:spLocks/>
+          </p:cNvSpPr>
+          <p:nvPr/>
+        </p:nvSpPr>
+        <p:spPr>
+          <a:xfrm>
+            <a:off x="6217603" y="1894278"/>
+            <a:ext cx="4937760" cy="954298"/>
+          </a:xfrm>
+          <a:prstGeom prst="rect">
+            <a:avLst/>
+          </a:prstGeom>
+        </p:spPr>
+        <p:txBody>
+          <a:bodyPr vert="horz" lIns="0" tIns="45720" rIns="0" bIns="45720" rtlCol="0">
+            <a:normAutofit/>
+          </a:bodyPr>
+          <a:lstStyle>
+            <a:lvl1pPr marL="91440" indent="-91440" algn="l" defTabSz="914400" rtl="0" eaLnBrk="1" latinLnBrk="0" hangingPunct="1">
+              <a:lnSpc>
+                <a:spcPct val="90000"/>
+              </a:lnSpc>
+              <a:spcBef>
+                <a:spcPts val="1200"/>
+              </a:spcBef>
+              <a:spcAft>
+                <a:spcPts val="200"/>
+              </a:spcAft>
+              <a:buClr>
+                <a:schemeClr val="accent1"/>
+              </a:buClr>
+              <a:buSzPct val="100000"/>
+              <a:buFont typeface="Calibri" panose="020F0502020204030204" pitchFamily="34" charset="0"/>
+              <a:buChar char=" "/>
+              <a:defRPr sz="2000" kern="1200">
+                <a:solidFill>
+                  <a:schemeClr val="tx1">
+                    <a:lumMod val="75000"/>
+                    <a:lumOff val="25000"/>
+                  </a:schemeClr>
+                </a:solidFill>
+                <a:latin typeface="+mn-lt"/>
+                <a:ea typeface="+mn-ea"/>
+                <a:cs typeface="+mn-cs"/>
+              </a:defRPr>
+            </a:lvl1pPr>
+            <a:lvl2pPr marL="384048" indent="-182880" algn="l" defTabSz="914400" rtl="0" eaLnBrk="1" latinLnBrk="0" hangingPunct="1">
+              <a:lnSpc>
+                <a:spcPct val="90000"/>
+              </a:lnSpc>
+              <a:spcBef>
+                <a:spcPts val="200"/>
+              </a:spcBef>
+              <a:spcAft>
+                <a:spcPts val="400"/>
+              </a:spcAft>
+              <a:buClr>
+                <a:schemeClr val="accent1"/>
+              </a:buClr>
+              <a:buFont typeface="Calibri" pitchFamily="34" charset="0"/>
+              <a:buChar char="◦"/>
+              <a:defRPr sz="1800" kern="1200">
+                <a:solidFill>
+                  <a:schemeClr val="tx1">
+                    <a:lumMod val="75000"/>
+                    <a:lumOff val="25000"/>
+                  </a:schemeClr>
+                </a:solidFill>
+                <a:latin typeface="+mn-lt"/>
+                <a:ea typeface="+mn-ea"/>
+                <a:cs typeface="+mn-cs"/>
+              </a:defRPr>
+            </a:lvl2pPr>
+            <a:lvl3pPr marL="566928" indent="-182880" algn="l" defTabSz="914400" rtl="0" eaLnBrk="1" latinLnBrk="0" hangingPunct="1">
+              <a:lnSpc>
+                <a:spcPct val="90000"/>
+              </a:lnSpc>
+              <a:spcBef>
+                <a:spcPts val="200"/>
+              </a:spcBef>
+              <a:spcAft>
+                <a:spcPts val="400"/>
+              </a:spcAft>
+              <a:buClr>
+                <a:schemeClr val="accent1"/>
+              </a:buClr>
+              <a:buFont typeface="Calibri" pitchFamily="34" charset="0"/>
+              <a:buChar char="◦"/>
+              <a:defRPr sz="1400" kern="1200">
+                <a:solidFill>
+                  <a:schemeClr val="tx1">
+                    <a:lumMod val="75000"/>
+                    <a:lumOff val="25000"/>
+                  </a:schemeClr>
+                </a:solidFill>
+                <a:latin typeface="+mn-lt"/>
+                <a:ea typeface="+mn-ea"/>
+                <a:cs typeface="+mn-cs"/>
+              </a:defRPr>
+            </a:lvl3pPr>
+            <a:lvl4pPr marL="749808" indent="-182880" algn="l" defTabSz="914400" rtl="0" eaLnBrk="1" latinLnBrk="0" hangingPunct="1">
+              <a:lnSpc>
+                <a:spcPct val="90000"/>
+              </a:lnSpc>
+              <a:spcBef>
+                <a:spcPts val="200"/>
+              </a:spcBef>
+              <a:spcAft>
+                <a:spcPts val="400"/>
+              </a:spcAft>
+              <a:buClr>
+                <a:schemeClr val="accent1"/>
+              </a:buClr>
+              <a:buFont typeface="Calibri" pitchFamily="34" charset="0"/>
+              <a:buChar char="◦"/>
+              <a:defRPr sz="1400" kern="1200">
+                <a:solidFill>
+                  <a:schemeClr val="tx1">
+                    <a:lumMod val="75000"/>
+                    <a:lumOff val="25000"/>
+                  </a:schemeClr>
+                </a:solidFill>
+                <a:latin typeface="+mn-lt"/>
+                <a:ea typeface="+mn-ea"/>
+                <a:cs typeface="+mn-cs"/>
+              </a:defRPr>
+            </a:lvl4pPr>
+            <a:lvl5pPr marL="932688" indent="-182880" algn="l" defTabSz="914400" rtl="0" eaLnBrk="1" latinLnBrk="0" hangingPunct="1">
+              <a:lnSpc>
+                <a:spcPct val="90000"/>
+              </a:lnSpc>
+              <a:spcBef>
+                <a:spcPts val="200"/>
+              </a:spcBef>
+              <a:spcAft>
+                <a:spcPts val="400"/>
+              </a:spcAft>
+              <a:buClr>
+                <a:schemeClr val="accent1"/>
+              </a:buClr>
+              <a:buFont typeface="Calibri" pitchFamily="34" charset="0"/>
+              <a:buChar char="◦"/>
+              <a:defRPr sz="1400" kern="1200">
+                <a:solidFill>
+                  <a:schemeClr val="tx1">
+                    <a:lumMod val="75000"/>
+                    <a:lumOff val="25000"/>
+                  </a:schemeClr>
+                </a:solidFill>
+                <a:latin typeface="+mn-lt"/>
+                <a:ea typeface="+mn-ea"/>
+                <a:cs typeface="+mn-cs"/>
+              </a:defRPr>
+            </a:lvl5pPr>
+            <a:lvl6pPr marL="1100000" indent="-228600" algn="l" defTabSz="914400" rtl="0" eaLnBrk="1" latinLnBrk="0" hangingPunct="1">
+              <a:lnSpc>
+                <a:spcPct val="90000"/>
+              </a:lnSpc>
+              <a:spcBef>
+                <a:spcPts val="200"/>
+              </a:spcBef>
+              <a:spcAft>
+                <a:spcPts val="400"/>
+              </a:spcAft>
+              <a:buClr>
+                <a:schemeClr val="accent1"/>
+              </a:buClr>
+              <a:buFont typeface="Calibri" pitchFamily="34" charset="0"/>
+              <a:buChar char="◦"/>
+              <a:defRPr sz="1400" kern="1200">
+                <a:solidFill>
+                  <a:schemeClr val="tx1">
+                    <a:lumMod val="75000"/>
+                    <a:lumOff val="25000"/>
+                  </a:schemeClr>
+                </a:solidFill>
+                <a:latin typeface="+mn-lt"/>
+                <a:ea typeface="+mn-ea"/>
+                <a:cs typeface="+mn-cs"/>
+              </a:defRPr>
+            </a:lvl6pPr>
+            <a:lvl7pPr marL="1300000" indent="-228600" algn="l" defTabSz="914400" rtl="0" eaLnBrk="1" latinLnBrk="0" hangingPunct="1">
+              <a:lnSpc>
+                <a:spcPct val="90000"/>
+              </a:lnSpc>
+              <a:spcBef>
+                <a:spcPts val="200"/>
+              </a:spcBef>
+              <a:spcAft>
+                <a:spcPts val="400"/>
+              </a:spcAft>
+              <a:buClr>
+                <a:schemeClr val="accent1"/>
+              </a:buClr>
+              <a:buFont typeface="Calibri" pitchFamily="34" charset="0"/>
+              <a:buChar char="◦"/>
+              <a:defRPr sz="1400" kern="1200">
+                <a:solidFill>
+                  <a:schemeClr val="tx1">
+                    <a:lumMod val="75000"/>
+                    <a:lumOff val="25000"/>
+                  </a:schemeClr>
+                </a:solidFill>
+                <a:latin typeface="+mn-lt"/>
+                <a:ea typeface="+mn-ea"/>
+                <a:cs typeface="+mn-cs"/>
+              </a:defRPr>
+            </a:lvl7pPr>
+            <a:lvl8pPr marL="1500000" indent="-228600" algn="l" defTabSz="914400" rtl="0" eaLnBrk="1" latinLnBrk="0" hangingPunct="1">
+              <a:lnSpc>
+                <a:spcPct val="90000"/>
+              </a:lnSpc>
+              <a:spcBef>
+                <a:spcPts val="200"/>
+              </a:spcBef>
+              <a:spcAft>
+                <a:spcPts val="400"/>
+              </a:spcAft>
+              <a:buClr>
+                <a:schemeClr val="accent1"/>
+              </a:buClr>
+              <a:buFont typeface="Calibri" pitchFamily="34" charset="0"/>
+              <a:buChar char="◦"/>
+              <a:defRPr sz="1400" kern="1200">
+                <a:solidFill>
+                  <a:schemeClr val="tx1">
+                    <a:lumMod val="75000"/>
+                    <a:lumOff val="25000"/>
+                  </a:schemeClr>
+                </a:solidFill>
+                <a:latin typeface="+mn-lt"/>
+                <a:ea typeface="+mn-ea"/>
+                <a:cs typeface="+mn-cs"/>
+              </a:defRPr>
+            </a:lvl8pPr>
+            <a:lvl9pPr marL="1700000" indent="-228600" algn="l" defTabSz="914400" rtl="0" eaLnBrk="1" latinLnBrk="0" hangingPunct="1">
+              <a:lnSpc>
+                <a:spcPct val="90000"/>
+              </a:lnSpc>
+              <a:spcBef>
+                <a:spcPts val="200"/>
+              </a:spcBef>
+              <a:spcAft>
+                <a:spcPts val="400"/>
+              </a:spcAft>
+              <a:buClr>
+                <a:schemeClr val="accent1"/>
+              </a:buClr>
+              <a:buFont typeface="Calibri" pitchFamily="34" charset="0"/>
+              <a:buChar char="◦"/>
+              <a:defRPr sz="1400" kern="1200">
+                <a:solidFill>
+                  <a:schemeClr val="tx1">
+                    <a:lumMod val="75000"/>
+                    <a:lumOff val="25000"/>
+                  </a:schemeClr>
+                </a:solidFill>
+                <a:latin typeface="+mn-lt"/>
+                <a:ea typeface="+mn-ea"/>
+                <a:cs typeface="+mn-cs"/>
+              </a:defRPr>
+            </a:lvl9pPr>
+          </a:lstStyle>
+          <a:p>
+            <a:pPr>
+              <a:buFont typeface="Wingdings" panose="05000000000000000000" pitchFamily="2" charset="2"/>
+              <a:buChar char="q"/>
+            </a:pPr>
+            <a:r>
+              <a:rPr lang="pt-PT" dirty="0"/>
+              <a:t> Versão 3.7.3</a:t>
+            </a:r>
+          </a:p>
+          <a:p>
+            <a:pPr>
+              <a:buFont typeface="Wingdings" panose="05000000000000000000" pitchFamily="2" charset="2"/>
+              <a:buChar char="q"/>
+            </a:pPr>
+            <a:r>
+              <a:rPr lang="pt-PT" dirty="0"/>
+              <a:t> Bibliotecas </a:t>
+            </a:r>
+            <a:r>
+              <a:rPr lang="pt-PT" dirty="0" err="1"/>
+              <a:t>Pyknow</a:t>
+            </a:r>
+            <a:r>
+              <a:rPr lang="pt-PT" dirty="0"/>
+              <a:t> e </a:t>
+            </a:r>
+            <a:r>
+              <a:rPr lang="pt-PT" dirty="0" err="1"/>
+              <a:t>Pymongo</a:t>
+            </a:r>
+            <a:r>
+              <a:rPr lang="pt-PT" dirty="0"/>
+              <a:t> do NLTK</a:t>
             </a:r>
           </a:p>
         </p:txBody>
@@ -6230,7 +6917,7 @@
     </p:spTree>
     <p:extLst>
       <p:ext uri="{BB962C8B-B14F-4D97-AF65-F5344CB8AC3E}">
-        <p14:creationId xmlns:p14="http://schemas.microsoft.com/office/powerpoint/2010/main" val="2191826000"/>
+        <p14:creationId xmlns:p14="http://schemas.microsoft.com/office/powerpoint/2010/main" val="1423721175"/>
       </p:ext>
     </p:extLst>
   </p:cSld>
@@ -6244,6 +6931,237 @@
 </file>
 
 <file path=ppt/slides/slide11.xml><?xml version="1.0" encoding="utf-8"?>
+<p:sld xmlns:a="http://schemas.openxmlformats.org/drawingml/2006/main" xmlns:r="http://schemas.openxmlformats.org/officeDocument/2006/relationships" xmlns:p="http://schemas.openxmlformats.org/presentationml/2006/main">
+  <p:cSld>
+    <p:spTree>
+      <p:nvGrpSpPr>
+        <p:cNvPr id="1" name=""/>
+        <p:cNvGrpSpPr/>
+        <p:nvPr/>
+      </p:nvGrpSpPr>
+      <p:grpSpPr>
+        <a:xfrm>
+          <a:off x="0" y="0"/>
+          <a:ext cx="0" cy="0"/>
+          <a:chOff x="0" y="0"/>
+          <a:chExt cx="0" cy="0"/>
+        </a:xfrm>
+      </p:grpSpPr>
+      <p:sp>
+        <p:nvSpPr>
+          <p:cNvPr id="2" name="Título 1">
+            <a:extLst>
+              <a:ext uri="{FF2B5EF4-FFF2-40B4-BE49-F238E27FC236}">
+                <a16:creationId xmlns:a16="http://schemas.microsoft.com/office/drawing/2014/main" id="{6CD544B8-B779-4C93-9564-7B7F57D592E1}"/>
+              </a:ext>
+            </a:extLst>
+          </p:cNvPr>
+          <p:cNvSpPr>
+            <a:spLocks noGrp="1"/>
+          </p:cNvSpPr>
+          <p:nvPr>
+            <p:ph type="title"/>
+          </p:nvPr>
+        </p:nvSpPr>
+        <p:spPr/>
+        <p:txBody>
+          <a:bodyPr/>
+          <a:lstStyle/>
+          <a:p>
+            <a:r>
+              <a:rPr lang="pt-PT" dirty="0">
+                <a:solidFill>
+                  <a:schemeClr val="bg1">
+                    <a:lumMod val="50000"/>
+                  </a:schemeClr>
+                </a:solidFill>
+              </a:rPr>
+              <a:t>Instalação e Configuração</a:t>
+            </a:r>
+            <a:endParaRPr lang="pt-PT" dirty="0"/>
+          </a:p>
+        </p:txBody>
+      </p:sp>
+      <p:sp>
+        <p:nvSpPr>
+          <p:cNvPr id="5" name="Marcador de Posição do Texto 4">
+            <a:extLst>
+              <a:ext uri="{FF2B5EF4-FFF2-40B4-BE49-F238E27FC236}">
+                <a16:creationId xmlns:a16="http://schemas.microsoft.com/office/drawing/2014/main" id="{DD49F590-B57B-40BC-A2D6-088D20714121}"/>
+              </a:ext>
+            </a:extLst>
+          </p:cNvPr>
+          <p:cNvSpPr>
+            <a:spLocks noGrp="1"/>
+          </p:cNvSpPr>
+          <p:nvPr>
+            <p:ph type="body" sz="quarter" idx="3"/>
+          </p:nvPr>
+        </p:nvSpPr>
+        <p:spPr/>
+        <p:txBody>
+          <a:bodyPr/>
+          <a:lstStyle/>
+          <a:p>
+            <a:endParaRPr lang="pt-PT" dirty="0"/>
+          </a:p>
+        </p:txBody>
+      </p:sp>
+      <p:sp>
+        <p:nvSpPr>
+          <p:cNvPr id="6" name="Marcador de Posição de Conteúdo 5">
+            <a:extLst>
+              <a:ext uri="{FF2B5EF4-FFF2-40B4-BE49-F238E27FC236}">
+                <a16:creationId xmlns:a16="http://schemas.microsoft.com/office/drawing/2014/main" id="{A3928F4B-4BC9-404F-8596-709C70423E03}"/>
+              </a:ext>
+            </a:extLst>
+          </p:cNvPr>
+          <p:cNvSpPr>
+            <a:spLocks noGrp="1"/>
+          </p:cNvSpPr>
+          <p:nvPr>
+            <p:ph sz="quarter" idx="4"/>
+          </p:nvPr>
+        </p:nvSpPr>
+        <p:spPr/>
+        <p:txBody>
+          <a:bodyPr/>
+          <a:lstStyle/>
+          <a:p>
+            <a:pPr>
+              <a:buFont typeface="Wingdings" panose="05000000000000000000" pitchFamily="2" charset="2"/>
+              <a:buChar char="q"/>
+            </a:pPr>
+            <a:r>
+              <a:rPr lang="pt-PT" dirty="0"/>
+              <a:t> Versão 3.4.10</a:t>
+            </a:r>
+          </a:p>
+          <a:p>
+            <a:pPr>
+              <a:buFont typeface="Wingdings" panose="05000000000000000000" pitchFamily="2" charset="2"/>
+              <a:buChar char="q"/>
+            </a:pPr>
+            <a:r>
+              <a:rPr lang="pt-PT" dirty="0"/>
+              <a:t> Importar coleções</a:t>
+            </a:r>
+          </a:p>
+          <a:p>
+            <a:pPr lvl="1">
+              <a:buFont typeface="Wingdings" panose="05000000000000000000" pitchFamily="2" charset="2"/>
+              <a:buChar char="q"/>
+            </a:pPr>
+            <a:r>
+              <a:rPr lang="pt-PT" dirty="0"/>
+              <a:t> </a:t>
+            </a:r>
+            <a:r>
+              <a:rPr lang="pt-PT" dirty="0" err="1"/>
+              <a:t>Dialog</a:t>
+            </a:r>
+            <a:endParaRPr lang="pt-PT" dirty="0"/>
+          </a:p>
+          <a:p>
+            <a:pPr lvl="1">
+              <a:buFont typeface="Wingdings" panose="05000000000000000000" pitchFamily="2" charset="2"/>
+              <a:buChar char="q"/>
+            </a:pPr>
+            <a:r>
+              <a:rPr lang="pt-PT" dirty="0"/>
+              <a:t> </a:t>
+            </a:r>
+            <a:r>
+              <a:rPr lang="pt-PT" dirty="0" err="1"/>
+              <a:t>DomainBD</a:t>
+            </a:r>
+            <a:endParaRPr lang="pt-PT" dirty="0"/>
+          </a:p>
+          <a:p>
+            <a:pPr lvl="1">
+              <a:buFont typeface="Wingdings" panose="05000000000000000000" pitchFamily="2" charset="2"/>
+              <a:buChar char="q"/>
+            </a:pPr>
+            <a:r>
+              <a:rPr lang="pt-PT" dirty="0"/>
+              <a:t> </a:t>
+            </a:r>
+            <a:r>
+              <a:rPr lang="pt-PT" dirty="0" err="1"/>
+              <a:t>Synonyms</a:t>
+            </a:r>
+            <a:endParaRPr lang="pt-PT" dirty="0"/>
+          </a:p>
+          <a:p>
+            <a:pPr lvl="1">
+              <a:buFont typeface="Wingdings" panose="05000000000000000000" pitchFamily="2" charset="2"/>
+              <a:buChar char="q"/>
+            </a:pPr>
+            <a:r>
+              <a:rPr lang="pt-PT" dirty="0"/>
+              <a:t> </a:t>
+            </a:r>
+            <a:r>
+              <a:rPr lang="pt-PT" dirty="0" err="1"/>
+              <a:t>UserHist</a:t>
+            </a:r>
+            <a:endParaRPr lang="pt-PT" dirty="0"/>
+          </a:p>
+        </p:txBody>
+      </p:sp>
+      <p:pic>
+        <p:nvPicPr>
+          <p:cNvPr id="8" name="Imagem 7" descr="Uma imagem com ClipArt&#10;&#10;Descrição gerada automaticamente">
+            <a:extLst>
+              <a:ext uri="{FF2B5EF4-FFF2-40B4-BE49-F238E27FC236}">
+                <a16:creationId xmlns:a16="http://schemas.microsoft.com/office/drawing/2014/main" id="{2D61164F-01E7-416C-95C2-F61A748452BC}"/>
+              </a:ext>
+            </a:extLst>
+          </p:cNvPr>
+          <p:cNvPicPr>
+            <a:picLocks noChangeAspect="1"/>
+          </p:cNvPicPr>
+          <p:nvPr/>
+        </p:nvPicPr>
+        <p:blipFill>
+          <a:blip r:embed="rId3">
+            <a:extLst>
+              <a:ext uri="{28A0092B-C50C-407E-A947-70E740481C1C}">
+                <a14:useLocalDpi xmlns:a14="http://schemas.microsoft.com/office/drawing/2010/main" val="0"/>
+              </a:ext>
+            </a:extLst>
+          </a:blip>
+          <a:stretch>
+            <a:fillRect/>
+          </a:stretch>
+        </p:blipFill>
+        <p:spPr>
+          <a:xfrm>
+            <a:off x="1549016" y="2943313"/>
+            <a:ext cx="3691221" cy="971373"/>
+          </a:xfrm>
+          <a:prstGeom prst="rect">
+            <a:avLst/>
+          </a:prstGeom>
+        </p:spPr>
+      </p:pic>
+    </p:spTree>
+    <p:extLst>
+      <p:ext uri="{BB962C8B-B14F-4D97-AF65-F5344CB8AC3E}">
+        <p14:creationId xmlns:p14="http://schemas.microsoft.com/office/powerpoint/2010/main" val="2193385383"/>
+      </p:ext>
+    </p:extLst>
+  </p:cSld>
+  <p:clrMapOvr>
+    <a:masterClrMapping/>
+  </p:clrMapOvr>
+  <p:transition spd="slow">
+    <p:cover/>
+  </p:transition>
+</p:sld>
+</file>
+
+<file path=ppt/slides/slide12.xml><?xml version="1.0" encoding="utf-8"?>
 <p:sld xmlns:a="http://schemas.openxmlformats.org/drawingml/2006/main" xmlns:r="http://schemas.openxmlformats.org/officeDocument/2006/relationships" xmlns:p="http://schemas.openxmlformats.org/presentationml/2006/main">
   <p:cSld>
     <p:spTree>
@@ -6364,7 +7282,7 @@
 </p:sld>
 </file>
 
-<file path=ppt/slides/slide12.xml><?xml version="1.0" encoding="utf-8"?>
+<file path=ppt/slides/slide13.xml><?xml version="1.0" encoding="utf-8"?>
 <p:sld xmlns:a="http://schemas.openxmlformats.org/drawingml/2006/main" xmlns:r="http://schemas.openxmlformats.org/officeDocument/2006/relationships" xmlns:p="http://schemas.openxmlformats.org/presentationml/2006/main">
   <p:cSld>
     <p:spTree>
@@ -6920,18 +7838,18 @@
   <p:clrMapOvr>
     <a:masterClrMapping/>
   </p:clrMapOvr>
-  <mc:AlternateContent xmlns:mc="http://schemas.openxmlformats.org/markup-compatibility/2006">
-    <mc:Choice xmlns:p14="http://schemas.microsoft.com/office/powerpoint/2010/main" Requires="p14">
+  <mc:AlternateContent xmlns:mc="http://schemas.openxmlformats.org/markup-compatibility/2006" xmlns:p14="http://schemas.microsoft.com/office/powerpoint/2010/main">
+    <mc:Choice Requires="p14">
       <p:transition p14:dur="0"/>
     </mc:Choice>
-    <mc:Fallback>
+    <mc:Fallback xmlns="">
       <p:transition/>
     </mc:Fallback>
   </mc:AlternateContent>
 </p:sld>
 </file>
 
-<file path=ppt/slides/slide13.xml><?xml version="1.0" encoding="utf-8"?>
+<file path=ppt/slides/slide14.xml><?xml version="1.0" encoding="utf-8"?>
 <p:sld xmlns:a="http://schemas.openxmlformats.org/drawingml/2006/main" xmlns:r="http://schemas.openxmlformats.org/officeDocument/2006/relationships" xmlns:p="http://schemas.openxmlformats.org/presentationml/2006/main">
   <p:cSld>
     <p:spTree>
@@ -8956,18 +9874,18 @@
   <p:clrMapOvr>
     <a:masterClrMapping/>
   </p:clrMapOvr>
-  <mc:AlternateContent xmlns:mc="http://schemas.openxmlformats.org/markup-compatibility/2006">
-    <mc:Choice xmlns:p14="http://schemas.microsoft.com/office/powerpoint/2010/main" Requires="p14">
+  <mc:AlternateContent xmlns:mc="http://schemas.openxmlformats.org/markup-compatibility/2006" xmlns:p14="http://schemas.microsoft.com/office/powerpoint/2010/main">
+    <mc:Choice Requires="p14">
       <p:transition p14:dur="0"/>
     </mc:Choice>
-    <mc:Fallback>
+    <mc:Fallback xmlns="">
       <p:transition/>
     </mc:Fallback>
   </mc:AlternateContent>
 </p:sld>
 </file>
 
-<file path=ppt/slides/slide14.xml><?xml version="1.0" encoding="utf-8"?>
+<file path=ppt/slides/slide15.xml><?xml version="1.0" encoding="utf-8"?>
 <p:sld xmlns:a="http://schemas.openxmlformats.org/drawingml/2006/main" xmlns:r="http://schemas.openxmlformats.org/officeDocument/2006/relationships" xmlns:p="http://schemas.openxmlformats.org/presentationml/2006/main">
   <p:cSld>
     <p:spTree>
@@ -9194,18 +10112,18 @@
   <p:clrMapOvr>
     <a:masterClrMapping/>
   </p:clrMapOvr>
-  <mc:AlternateContent xmlns:mc="http://schemas.openxmlformats.org/markup-compatibility/2006">
-    <mc:Choice xmlns:p14="http://schemas.microsoft.com/office/powerpoint/2010/main" Requires="p14">
+  <mc:AlternateContent xmlns:mc="http://schemas.openxmlformats.org/markup-compatibility/2006" xmlns:p14="http://schemas.microsoft.com/office/powerpoint/2010/main">
+    <mc:Choice Requires="p14">
       <p:transition p14:dur="0"/>
     </mc:Choice>
-    <mc:Fallback>
+    <mc:Fallback xmlns="">
       <p:transition/>
     </mc:Fallback>
   </mc:AlternateContent>
 </p:sld>
 </file>
 
-<file path=ppt/slides/slide15.xml><?xml version="1.0" encoding="utf-8"?>
+<file path=ppt/slides/slide16.xml><?xml version="1.0" encoding="utf-8"?>
 <p:sld xmlns:a="http://schemas.openxmlformats.org/drawingml/2006/main" xmlns:r="http://schemas.openxmlformats.org/officeDocument/2006/relationships" xmlns:p="http://schemas.openxmlformats.org/presentationml/2006/main">
   <p:cSld>
     <p:spTree>
@@ -9590,18 +10508,18 @@
   <p:clrMapOvr>
     <a:masterClrMapping/>
   </p:clrMapOvr>
-  <mc:AlternateContent xmlns:mc="http://schemas.openxmlformats.org/markup-compatibility/2006">
-    <mc:Choice xmlns:p14="http://schemas.microsoft.com/office/powerpoint/2010/main" Requires="p14">
+  <mc:AlternateContent xmlns:mc="http://schemas.openxmlformats.org/markup-compatibility/2006" xmlns:p14="http://schemas.microsoft.com/office/powerpoint/2010/main">
+    <mc:Choice Requires="p14">
       <p:transition p14:dur="0"/>
     </mc:Choice>
-    <mc:Fallback>
+    <mc:Fallback xmlns="">
       <p:transition/>
     </mc:Fallback>
   </mc:AlternateContent>
 </p:sld>
 </file>
 
-<file path=ppt/slides/slide16.xml><?xml version="1.0" encoding="utf-8"?>
+<file path=ppt/slides/slide17.xml><?xml version="1.0" encoding="utf-8"?>
 <p:sld xmlns:a="http://schemas.openxmlformats.org/drawingml/2006/main" xmlns:r="http://schemas.openxmlformats.org/officeDocument/2006/relationships" xmlns:p="http://schemas.openxmlformats.org/presentationml/2006/main">
   <p:cSld>
     <p:spTree>
@@ -9828,18 +10746,18 @@
   <p:clrMapOvr>
     <a:masterClrMapping/>
   </p:clrMapOvr>
-  <mc:AlternateContent xmlns:mc="http://schemas.openxmlformats.org/markup-compatibility/2006">
-    <mc:Choice xmlns:p14="http://schemas.microsoft.com/office/powerpoint/2010/main" Requires="p14">
+  <mc:AlternateContent xmlns:mc="http://schemas.openxmlformats.org/markup-compatibility/2006" xmlns:p14="http://schemas.microsoft.com/office/powerpoint/2010/main">
+    <mc:Choice Requires="p14">
       <p:transition p14:dur="0"/>
     </mc:Choice>
-    <mc:Fallback>
+    <mc:Fallback xmlns="">
       <p:transition/>
     </mc:Fallback>
   </mc:AlternateContent>
 </p:sld>
 </file>
 
-<file path=ppt/slides/slide17.xml><?xml version="1.0" encoding="utf-8"?>
+<file path=ppt/slides/slide18.xml><?xml version="1.0" encoding="utf-8"?>
 <p:sld xmlns:a="http://schemas.openxmlformats.org/drawingml/2006/main" xmlns:r="http://schemas.openxmlformats.org/officeDocument/2006/relationships" xmlns:p="http://schemas.openxmlformats.org/presentationml/2006/main">
   <p:cSld>
     <p:spTree>
@@ -10058,6 +10976,80 @@
           </a:fontRef>
         </p:style>
       </p:cxnSp>
+      <p:sp>
+        <p:nvSpPr>
+          <p:cNvPr id="7" name="Marcador de Posição do Texto 3">
+            <a:extLst>
+              <a:ext uri="{FF2B5EF4-FFF2-40B4-BE49-F238E27FC236}">
+                <a16:creationId xmlns:a16="http://schemas.microsoft.com/office/drawing/2014/main" id="{57972D39-F6CC-4513-BD78-3CDDD283CE16}"/>
+              </a:ext>
+            </a:extLst>
+          </p:cNvPr>
+          <p:cNvSpPr>
+            <a:spLocks noGrp="1"/>
+          </p:cNvSpPr>
+          <p:nvPr>
+            <p:ph type="body" sz="half" idx="2"/>
+          </p:nvPr>
+        </p:nvSpPr>
+        <p:spPr>
+          <a:xfrm>
+            <a:off x="182579" y="3428999"/>
+            <a:ext cx="3749642" cy="3746925"/>
+          </a:xfrm>
+        </p:spPr>
+        <p:txBody>
+          <a:bodyPr>
+            <a:normAutofit/>
+          </a:bodyPr>
+          <a:lstStyle/>
+          <a:p>
+            <a:r>
+              <a:rPr lang="pt-PT" sz="1600" b="1" dirty="0"/>
+              <a:t>Leonardo: </a:t>
+            </a:r>
+            <a:r>
+              <a:rPr lang="pt-PT" sz="1600" dirty="0"/>
+              <a:t>” Então, foste de férias? Vamos lá praticar! 😀 “</a:t>
+            </a:r>
+            <a:br>
+              <a:rPr lang="pt-PT" sz="1600" dirty="0"/>
+            </a:br>
+            <a:endParaRPr lang="pt-PT" sz="1600" dirty="0"/>
+          </a:p>
+          <a:p>
+            <a:r>
+              <a:rPr lang="pt-PT" sz="1600" b="1" dirty="0"/>
+              <a:t>Utilizador: </a:t>
+            </a:r>
+            <a:r>
+              <a:rPr lang="pt-PT" sz="1600" dirty="0"/>
+              <a:t>-  “ Bora lá! “</a:t>
+            </a:r>
+            <a:br>
+              <a:rPr lang="pt-PT" sz="1600" dirty="0"/>
+            </a:br>
+            <a:r>
+              <a:rPr lang="pt-PT" sz="1600" dirty="0"/>
+              <a:t>	-  “ Preciso de estudar. Adeus. “</a:t>
+            </a:r>
+            <a:br>
+              <a:rPr lang="pt-PT" sz="1600" dirty="0"/>
+            </a:br>
+            <a:r>
+              <a:rPr lang="pt-PT" sz="1600" dirty="0"/>
+              <a:t>	-  “ Tem mesmo que ser? “</a:t>
+            </a:r>
+            <a:br>
+              <a:rPr lang="pt-PT" sz="1600" dirty="0"/>
+            </a:br>
+            <a:r>
+              <a:rPr lang="pt-PT" sz="1600" dirty="0"/>
+              <a:t>	</a:t>
+            </a:r>
+          </a:p>
+        </p:txBody>
+      </p:sp>
     </p:spTree>
     <p:extLst>
       <p:ext uri="{BB962C8B-B14F-4D97-AF65-F5344CB8AC3E}">
@@ -10068,222 +11060,11 @@
   <p:clrMapOvr>
     <a:masterClrMapping/>
   </p:clrMapOvr>
-  <mc:AlternateContent xmlns:mc="http://schemas.openxmlformats.org/markup-compatibility/2006">
-    <mc:Choice xmlns:p14="http://schemas.microsoft.com/office/powerpoint/2010/main" Requires="p14">
+  <mc:AlternateContent xmlns:mc="http://schemas.openxmlformats.org/markup-compatibility/2006" xmlns:p14="http://schemas.microsoft.com/office/powerpoint/2010/main">
+    <mc:Choice Requires="p14">
       <p:transition p14:dur="0"/>
     </mc:Choice>
-    <mc:Fallback>
-      <p:transition/>
-    </mc:Fallback>
-  </mc:AlternateContent>
-</p:sld>
-</file>
-
-<file path=ppt/slides/slide18.xml><?xml version="1.0" encoding="utf-8"?>
-<p:sld xmlns:a="http://schemas.openxmlformats.org/drawingml/2006/main" xmlns:r="http://schemas.openxmlformats.org/officeDocument/2006/relationships" xmlns:p="http://schemas.openxmlformats.org/presentationml/2006/main">
-  <p:cSld>
-    <p:spTree>
-      <p:nvGrpSpPr>
-        <p:cNvPr id="1" name=""/>
-        <p:cNvGrpSpPr/>
-        <p:nvPr/>
-      </p:nvGrpSpPr>
-      <p:grpSpPr>
-        <a:xfrm>
-          <a:off x="0" y="0"/>
-          <a:ext cx="0" cy="0"/>
-          <a:chOff x="0" y="0"/>
-          <a:chExt cx="0" cy="0"/>
-        </a:xfrm>
-      </p:grpSpPr>
-      <p:sp>
-        <p:nvSpPr>
-          <p:cNvPr id="2" name="Título 1">
-            <a:extLst>
-              <a:ext uri="{FF2B5EF4-FFF2-40B4-BE49-F238E27FC236}">
-                <a16:creationId xmlns:a16="http://schemas.microsoft.com/office/drawing/2014/main" id="{D7D5C487-DAE2-4B7D-BFE9-AF4871322A8E}"/>
-              </a:ext>
-            </a:extLst>
-          </p:cNvPr>
-          <p:cNvSpPr>
-            <a:spLocks noGrp="1"/>
-          </p:cNvSpPr>
-          <p:nvPr>
-            <p:ph type="title"/>
-          </p:nvPr>
-        </p:nvSpPr>
-        <p:spPr>
-          <a:xfrm>
-            <a:off x="457200" y="594359"/>
-            <a:ext cx="3200400" cy="2286000"/>
-          </a:xfrm>
-        </p:spPr>
-        <p:txBody>
-          <a:bodyPr/>
-          <a:lstStyle/>
-          <a:p>
-            <a:r>
-              <a:rPr lang="pt-PT" dirty="0"/>
-              <a:t>Funcionamento do Sistema</a:t>
-            </a:r>
-          </a:p>
-        </p:txBody>
-      </p:sp>
-      <p:sp>
-        <p:nvSpPr>
-          <p:cNvPr id="4" name="Marcador de Posição do Texto 3">
-            <a:extLst>
-              <a:ext uri="{FF2B5EF4-FFF2-40B4-BE49-F238E27FC236}">
-                <a16:creationId xmlns:a16="http://schemas.microsoft.com/office/drawing/2014/main" id="{417E3BDF-5D19-4BAF-AEB7-734DBFCE7AA0}"/>
-              </a:ext>
-            </a:extLst>
-          </p:cNvPr>
-          <p:cNvSpPr>
-            <a:spLocks noGrp="1"/>
-          </p:cNvSpPr>
-          <p:nvPr>
-            <p:ph type="body" sz="half" idx="2"/>
-          </p:nvPr>
-        </p:nvSpPr>
-        <p:spPr>
-          <a:xfrm>
-            <a:off x="182579" y="3428999"/>
-            <a:ext cx="3749642" cy="3746925"/>
-          </a:xfrm>
-        </p:spPr>
-        <p:txBody>
-          <a:bodyPr>
-            <a:normAutofit/>
-          </a:bodyPr>
-          <a:lstStyle/>
-          <a:p>
-            <a:r>
-              <a:rPr lang="pt-PT" sz="1600" b="1" dirty="0"/>
-              <a:t>Leonardo: </a:t>
-            </a:r>
-            <a:r>
-              <a:rPr lang="pt-PT" sz="1600" dirty="0"/>
-              <a:t>” Então, foste de férias? Vamos lá praticar! 😀 “</a:t>
-            </a:r>
-            <a:br>
-              <a:rPr lang="pt-PT" sz="1600" dirty="0"/>
-            </a:br>
-            <a:endParaRPr lang="pt-PT" sz="1600" dirty="0"/>
-          </a:p>
-          <a:p>
-            <a:r>
-              <a:rPr lang="pt-PT" sz="1600" b="1" dirty="0"/>
-              <a:t>Utilizador: </a:t>
-            </a:r>
-            <a:r>
-              <a:rPr lang="pt-PT" sz="1600" dirty="0"/>
-              <a:t>-  “ Bora lá! “</a:t>
-            </a:r>
-            <a:br>
-              <a:rPr lang="pt-PT" sz="1600" dirty="0"/>
-            </a:br>
-            <a:r>
-              <a:rPr lang="pt-PT" sz="1600" dirty="0"/>
-              <a:t>	-  “ Preciso de estudar. Adeus. “</a:t>
-            </a:r>
-            <a:br>
-              <a:rPr lang="pt-PT" sz="1600" dirty="0"/>
-            </a:br>
-            <a:r>
-              <a:rPr lang="pt-PT" sz="1600" dirty="0"/>
-              <a:t>	-  “ Tem mesmo que ser? “</a:t>
-            </a:r>
-            <a:br>
-              <a:rPr lang="pt-PT" sz="1600" dirty="0"/>
-            </a:br>
-            <a:r>
-              <a:rPr lang="pt-PT" sz="1600" dirty="0"/>
-              <a:t>	</a:t>
-            </a:r>
-          </a:p>
-        </p:txBody>
-      </p:sp>
-      <p:sp>
-        <p:nvSpPr>
-          <p:cNvPr id="20" name="Marcador de Posição de Conteúdo 19">
-            <a:extLst>
-              <a:ext uri="{FF2B5EF4-FFF2-40B4-BE49-F238E27FC236}">
-                <a16:creationId xmlns:a16="http://schemas.microsoft.com/office/drawing/2014/main" id="{E6D76E72-3E5E-4298-ADA6-0607B4B80320}"/>
-              </a:ext>
-            </a:extLst>
-          </p:cNvPr>
-          <p:cNvSpPr>
-            <a:spLocks noGrp="1"/>
-          </p:cNvSpPr>
-          <p:nvPr>
-            <p:ph idx="1"/>
-          </p:nvPr>
-        </p:nvSpPr>
-        <p:spPr>
-          <a:xfrm>
-            <a:off x="4800600" y="1911352"/>
-            <a:ext cx="6492240" cy="4077967"/>
-          </a:xfrm>
-        </p:spPr>
-        <p:txBody>
-          <a:bodyPr/>
-          <a:lstStyle/>
-          <a:p>
-            <a:endParaRPr lang="pt-PT" dirty="0"/>
-          </a:p>
-        </p:txBody>
-      </p:sp>
-      <p:pic>
-        <p:nvPicPr>
-          <p:cNvPr id="22" name="Marcador de Posição de Conteúdo 9" descr="Uma imagem com captura de ecrã&#10;&#10;Descrição gerada automaticamente">
-            <a:extLst>
-              <a:ext uri="{FF2B5EF4-FFF2-40B4-BE49-F238E27FC236}">
-                <a16:creationId xmlns:a16="http://schemas.microsoft.com/office/drawing/2014/main" id="{50375737-C7DA-43B7-A2F5-C20ED74572B3}"/>
-              </a:ext>
-            </a:extLst>
-          </p:cNvPr>
-          <p:cNvPicPr>
-            <a:picLocks noChangeAspect="1"/>
-          </p:cNvPicPr>
-          <p:nvPr/>
-        </p:nvPicPr>
-        <p:blipFill>
-          <a:blip r:embed="rId3">
-            <a:extLst>
-              <a:ext uri="{28A0092B-C50C-407E-A947-70E740481C1C}">
-                <a14:useLocalDpi xmlns:a14="http://schemas.microsoft.com/office/drawing/2010/main" val="0"/>
-              </a:ext>
-            </a:extLst>
-          </a:blip>
-          <a:stretch>
-            <a:fillRect/>
-          </a:stretch>
-        </p:blipFill>
-        <p:spPr>
-          <a:xfrm>
-            <a:off x="4696327" y="252372"/>
-            <a:ext cx="6625388" cy="6353255"/>
-          </a:xfrm>
-          <a:prstGeom prst="rect">
-            <a:avLst/>
-          </a:prstGeom>
-        </p:spPr>
-      </p:pic>
-    </p:spTree>
-    <p:extLst>
-      <p:ext uri="{BB962C8B-B14F-4D97-AF65-F5344CB8AC3E}">
-        <p14:creationId xmlns:p14="http://schemas.microsoft.com/office/powerpoint/2010/main" val="4128250842"/>
-      </p:ext>
-    </p:extLst>
-  </p:cSld>
-  <p:clrMapOvr>
-    <a:masterClrMapping/>
-  </p:clrMapOvr>
-  <mc:AlternateContent xmlns:mc="http://schemas.openxmlformats.org/markup-compatibility/2006">
-    <mc:Choice xmlns:p14="http://schemas.microsoft.com/office/powerpoint/2010/main" Requires="p14">
-      <p:transition p14:dur="0"/>
-    </mc:Choice>
-    <mc:Fallback>
+    <mc:Fallback xmlns="">
       <p:transition/>
     </mc:Fallback>
   </mc:AlternateContent>
@@ -10813,7 +11594,7 @@
                   </a:schemeClr>
                 </a:solidFill>
               </a:rPr>
-              <a:t>Março de 2019</a:t>
+              <a:t>Maio de 2019</a:t>
             </a:r>
           </a:p>
         </p:txBody>
@@ -11210,13 +11991,6 @@
               <a:rPr lang="pt-PT" dirty="0"/>
               <a:t> Capacidade de desenvolver diálogos mais expeditos com os utilizadores;</a:t>
             </a:r>
-          </a:p>
-          <a:p>
-            <a:pPr>
-              <a:buFont typeface="Wingdings" panose="05000000000000000000" pitchFamily="2" charset="2"/>
-              <a:buChar char="q"/>
-            </a:pPr>
-            <a:endParaRPr lang="pt-PT" dirty="0"/>
           </a:p>
           <a:p>
             <a:pPr>

--- a/Report/presentation_2.pptx
+++ b/Report/presentation_2.pptx
@@ -12398,41 +12398,6 @@
           </a:p>
         </p:txBody>
       </p:sp>
-      <p:pic>
-        <p:nvPicPr>
-          <p:cNvPr id="6" name="Marcador de Posição de Conteúdo 5">
-            <a:extLst>
-              <a:ext uri="{FF2B5EF4-FFF2-40B4-BE49-F238E27FC236}">
-                <a16:creationId xmlns:a16="http://schemas.microsoft.com/office/drawing/2014/main" id="{3BBD17AD-75BF-44D0-AB26-1F4E27D0F5A9}"/>
-              </a:ext>
-            </a:extLst>
-          </p:cNvPr>
-          <p:cNvPicPr>
-            <a:picLocks noGrp="1" noChangeAspect="1"/>
-          </p:cNvPicPr>
-          <p:nvPr>
-            <p:ph idx="1"/>
-          </p:nvPr>
-        </p:nvPicPr>
-        <p:blipFill>
-          <a:blip r:embed="rId2">
-            <a:extLst>
-              <a:ext uri="{28A0092B-C50C-407E-A947-70E740481C1C}">
-                <a14:useLocalDpi xmlns:a14="http://schemas.microsoft.com/office/drawing/2010/main" val="0"/>
-              </a:ext>
-            </a:extLst>
-          </a:blip>
-          <a:stretch>
-            <a:fillRect/>
-          </a:stretch>
-        </p:blipFill>
-        <p:spPr>
-          <a:xfrm>
-            <a:off x="5471735" y="594359"/>
-            <a:ext cx="4669568" cy="5362707"/>
-          </a:xfrm>
-        </p:spPr>
-      </p:pic>
       <p:sp>
         <p:nvSpPr>
           <p:cNvPr id="4" name="Marcador de Posição do Texto 3">
@@ -12509,6 +12474,41 @@
           </a:p>
         </p:txBody>
       </p:sp>
+      <p:pic>
+        <p:nvPicPr>
+          <p:cNvPr id="12" name="Marcador de Posição de Conteúdo 11">
+            <a:extLst>
+              <a:ext uri="{FF2B5EF4-FFF2-40B4-BE49-F238E27FC236}">
+                <a16:creationId xmlns:a16="http://schemas.microsoft.com/office/drawing/2014/main" id="{F8809156-4AC9-4F2D-975F-C6112A3CBE11}"/>
+              </a:ext>
+            </a:extLst>
+          </p:cNvPr>
+          <p:cNvPicPr>
+            <a:picLocks noGrp="1" noChangeAspect="1"/>
+          </p:cNvPicPr>
+          <p:nvPr>
+            <p:ph idx="1"/>
+          </p:nvPr>
+        </p:nvPicPr>
+        <p:blipFill>
+          <a:blip r:embed="rId2">
+            <a:extLst>
+              <a:ext uri="{28A0092B-C50C-407E-A947-70E740481C1C}">
+                <a14:useLocalDpi xmlns:a14="http://schemas.microsoft.com/office/drawing/2010/main" val="0"/>
+              </a:ext>
+            </a:extLst>
+          </a:blip>
+          <a:stretch>
+            <a:fillRect/>
+          </a:stretch>
+        </p:blipFill>
+        <p:spPr>
+          <a:xfrm>
+            <a:off x="5433376" y="432663"/>
+            <a:ext cx="5486365" cy="5872541"/>
+          </a:xfrm>
+        </p:spPr>
+      </p:pic>
     </p:spTree>
     <p:extLst>
       <p:ext uri="{BB962C8B-B14F-4D97-AF65-F5344CB8AC3E}">

--- a/Report/presentation_2.pptx
+++ b/Report/presentation_2.pptx
@@ -612,8 +612,22 @@
           <a:lstStyle/>
           <a:p>
             <a:r>
+              <a:rPr lang="pt-PT" dirty="0" err="1"/>
+              <a:t>Pyknow</a:t>
+            </a:r>
+            <a:r>
               <a:rPr lang="pt-PT" dirty="0"/>
-              <a:t>Explicar por alto cada coleção</a:t>
+              <a:t> para geração de regras</a:t>
+            </a:r>
+          </a:p>
+          <a:p>
+            <a:r>
+              <a:rPr lang="pt-PT" dirty="0" err="1"/>
+              <a:t>Pymongo</a:t>
+            </a:r>
+            <a:r>
+              <a:rPr lang="pt-PT" dirty="0"/>
+              <a:t> para conexão BD</a:t>
             </a:r>
           </a:p>
         </p:txBody>
@@ -635,7 +649,7 @@
           <a:p>
             <a:fld id="{F9C76EEC-3DB8-4814-A8C5-185DA6C5A9E9}" type="slidenum">
               <a:rPr lang="pt-PT" smtClean="0"/>
-              <a:t>11</a:t>
+              <a:t>10</a:t>
             </a:fld>
             <a:endParaRPr lang="pt-PT"/>
           </a:p>
@@ -644,7 +658,7 @@
     </p:spTree>
     <p:extLst>
       <p:ext uri="{BB962C8B-B14F-4D97-AF65-F5344CB8AC3E}">
-        <p14:creationId xmlns:p14="http://schemas.microsoft.com/office/powerpoint/2010/main" val="2839916676"/>
+        <p14:creationId xmlns:p14="http://schemas.microsoft.com/office/powerpoint/2010/main" val="1631278"/>
       </p:ext>
     </p:extLst>
   </p:cSld>
@@ -700,7 +714,7 @@
           <a:p>
             <a:r>
               <a:rPr lang="pt-PT" dirty="0"/>
-              <a:t>Aluno que já não visita o sistema há mais de uma semana</a:t>
+              <a:t>Explicar por alto cada coleção</a:t>
             </a:r>
           </a:p>
         </p:txBody>
@@ -722,7 +736,7 @@
           <a:p>
             <a:fld id="{F9C76EEC-3DB8-4814-A8C5-185DA6C5A9E9}" type="slidenum">
               <a:rPr lang="pt-PT" smtClean="0"/>
-              <a:t>14</a:t>
+              <a:t>11</a:t>
             </a:fld>
             <a:endParaRPr lang="pt-PT"/>
           </a:p>
@@ -731,7 +745,7 @@
     </p:spTree>
     <p:extLst>
       <p:ext uri="{BB962C8B-B14F-4D97-AF65-F5344CB8AC3E}">
-        <p14:creationId xmlns:p14="http://schemas.microsoft.com/office/powerpoint/2010/main" val="3135787992"/>
+        <p14:creationId xmlns:p14="http://schemas.microsoft.com/office/powerpoint/2010/main" val="2839916676"/>
       </p:ext>
     </p:extLst>
   </p:cSld>
@@ -785,6 +799,93 @@
           <a:bodyPr/>
           <a:lstStyle/>
           <a:p>
+            <a:r>
+              <a:rPr lang="pt-PT" dirty="0"/>
+              <a:t>Aluno que já não visita o sistema há mais de uma semana</a:t>
+            </a:r>
+          </a:p>
+        </p:txBody>
+      </p:sp>
+      <p:sp>
+        <p:nvSpPr>
+          <p:cNvPr id="4" name="Marcador de Posição do Número do Diapositivo 3"/>
+          <p:cNvSpPr>
+            <a:spLocks noGrp="1"/>
+          </p:cNvSpPr>
+          <p:nvPr>
+            <p:ph type="sldNum" sz="quarter" idx="5"/>
+          </p:nvPr>
+        </p:nvSpPr>
+        <p:spPr/>
+        <p:txBody>
+          <a:bodyPr/>
+          <a:lstStyle/>
+          <a:p>
+            <a:fld id="{F9C76EEC-3DB8-4814-A8C5-185DA6C5A9E9}" type="slidenum">
+              <a:rPr lang="pt-PT" smtClean="0"/>
+              <a:t>14</a:t>
+            </a:fld>
+            <a:endParaRPr lang="pt-PT"/>
+          </a:p>
+        </p:txBody>
+      </p:sp>
+    </p:spTree>
+    <p:extLst>
+      <p:ext uri="{BB962C8B-B14F-4D97-AF65-F5344CB8AC3E}">
+        <p14:creationId xmlns:p14="http://schemas.microsoft.com/office/powerpoint/2010/main" val="3135787992"/>
+      </p:ext>
+    </p:extLst>
+  </p:cSld>
+  <p:clrMapOvr>
+    <a:masterClrMapping/>
+  </p:clrMapOvr>
+</p:notes>
+</file>
+
+<file path=ppt/notesSlides/notesSlide13.xml><?xml version="1.0" encoding="utf-8"?>
+<p:notes xmlns:a="http://schemas.openxmlformats.org/drawingml/2006/main" xmlns:r="http://schemas.openxmlformats.org/officeDocument/2006/relationships" xmlns:p="http://schemas.openxmlformats.org/presentationml/2006/main">
+  <p:cSld>
+    <p:spTree>
+      <p:nvGrpSpPr>
+        <p:cNvPr id="1" name=""/>
+        <p:cNvGrpSpPr/>
+        <p:nvPr/>
+      </p:nvGrpSpPr>
+      <p:grpSpPr>
+        <a:xfrm>
+          <a:off x="0" y="0"/>
+          <a:ext cx="0" cy="0"/>
+          <a:chOff x="0" y="0"/>
+          <a:chExt cx="0" cy="0"/>
+        </a:xfrm>
+      </p:grpSpPr>
+      <p:sp>
+        <p:nvSpPr>
+          <p:cNvPr id="2" name="Marcador de Posição da Imagem do Diapositivo 1"/>
+          <p:cNvSpPr>
+            <a:spLocks noGrp="1" noRot="1" noChangeAspect="1"/>
+          </p:cNvSpPr>
+          <p:nvPr>
+            <p:ph type="sldImg"/>
+          </p:nvPr>
+        </p:nvSpPr>
+        <p:spPr/>
+      </p:sp>
+      <p:sp>
+        <p:nvSpPr>
+          <p:cNvPr id="3" name="Marcador de Posição de Notas 2"/>
+          <p:cNvSpPr>
+            <a:spLocks noGrp="1"/>
+          </p:cNvSpPr>
+          <p:nvPr>
+            <p:ph type="body" idx="1"/>
+          </p:nvPr>
+        </p:nvSpPr>
+        <p:spPr/>
+        <p:txBody>
+          <a:bodyPr/>
+          <a:lstStyle/>
+          <a:p>
             <a:endParaRPr lang="pt-PT" dirty="0"/>
           </a:p>
         </p:txBody>
@@ -825,7 +926,7 @@
 </p:notes>
 </file>
 
-<file path=ppt/notesSlides/notesSlide13.xml><?xml version="1.0" encoding="utf-8"?>
+<file path=ppt/notesSlides/notesSlide14.xml><?xml version="1.0" encoding="utf-8"?>
 <p:notes xmlns:a="http://schemas.openxmlformats.org/drawingml/2006/main" xmlns:r="http://schemas.openxmlformats.org/officeDocument/2006/relationships" xmlns:p="http://schemas.openxmlformats.org/presentationml/2006/main">
   <p:cSld>
     <p:spTree>
@@ -1289,128 +1390,42 @@
           <a:bodyPr/>
           <a:lstStyle/>
           <a:p>
-            <a:pPr marL="0" marR="0" lvl="0" indent="0" algn="l" defTabSz="914400" rtl="0" eaLnBrk="1" fontAlgn="auto" latinLnBrk="0" hangingPunct="1">
-              <a:lnSpc>
-                <a:spcPct val="100000"/>
-              </a:lnSpc>
-              <a:spcBef>
-                <a:spcPts val="0"/>
-              </a:spcBef>
-              <a:spcAft>
-                <a:spcPts val="0"/>
-              </a:spcAft>
-              <a:buClrTx/>
-              <a:buSzTx/>
-              <a:buFontTx/>
-              <a:buNone/>
-              <a:tabLst/>
-              <a:defRPr/>
-            </a:pPr>
+            <a:r>
+              <a:rPr lang="pt-PT" dirty="0" err="1"/>
+              <a:t>Profiler</a:t>
+            </a:r>
             <a:r>
               <a:rPr lang="pt-PT" dirty="0"/>
-              <a:t>&gt;&gt; apresentação geral das funcionalidades do componente.</a:t>
-            </a:r>
-          </a:p>
-          <a:p>
-            <a:pPr marL="0" marR="0" lvl="0" indent="0" algn="l" defTabSz="914400" rtl="0" eaLnBrk="1" fontAlgn="auto" latinLnBrk="0" hangingPunct="1">
-              <a:lnSpc>
-                <a:spcPct val="100000"/>
-              </a:lnSpc>
-              <a:spcBef>
-                <a:spcPts val="0"/>
-              </a:spcBef>
-              <a:spcAft>
-                <a:spcPts val="0"/>
-              </a:spcAft>
-              <a:buClrTx/>
-              <a:buSzTx/>
-              <a:buFontTx/>
-              <a:buNone/>
-              <a:tabLst/>
-              <a:defRPr/>
-            </a:pPr>
-            <a:endParaRPr lang="pt-PT" dirty="0"/>
-          </a:p>
-          <a:p>
-            <a:pPr marL="0" marR="0" lvl="0" indent="0" algn="l" defTabSz="914400" rtl="0" eaLnBrk="1" fontAlgn="auto" latinLnBrk="0" hangingPunct="1">
-              <a:lnSpc>
-                <a:spcPct val="100000"/>
-              </a:lnSpc>
-              <a:spcBef>
-                <a:spcPts val="0"/>
-              </a:spcBef>
-              <a:spcAft>
-                <a:spcPts val="0"/>
-              </a:spcAft>
-              <a:buClrTx/>
-              <a:buSzTx/>
-              <a:buFontTx/>
-              <a:buNone/>
-              <a:tabLst/>
-              <a:defRPr/>
-            </a:pPr>
+              <a:t>: componente que gere toda a informação dos utilizadores do sistema</a:t>
+            </a:r>
+          </a:p>
+          <a:p>
+            <a:r>
+              <a:rPr lang="pt-PT" dirty="0" err="1"/>
+              <a:t>Reasoner</a:t>
+            </a:r>
             <a:r>
               <a:rPr lang="pt-PT" dirty="0"/>
-              <a:t>	COMPONENTE  NOSSA --- ESTÁ INTEGRADA NOUTRAS  como BD &amp; PROFILER</a:t>
-            </a:r>
-            <a:br>
+              <a:t>: responsável por calcular todas as métricas de avaliação de um utilizador quando este faz um teste, como o seu desempenho e destreza</a:t>
+            </a:r>
+          </a:p>
+          <a:p>
+            <a:r>
               <a:rPr lang="pt-PT" dirty="0"/>
-            </a:br>
+              <a:t>Gestor de diálogos: gere o dialogo entre o sistema e o utilizador</a:t>
+            </a:r>
+          </a:p>
+          <a:p>
             <a:r>
               <a:rPr lang="pt-PT" dirty="0"/>
-              <a:t>Ponto 1.1 – dizer que vem do </a:t>
-            </a:r>
-            <a:r>
-              <a:rPr lang="pt-PT" dirty="0" err="1"/>
-              <a:t>profiler</a:t>
-            </a:r>
+              <a:t>Manager: Toda a comunicação entre os componentes do sistema é feita através de mensagens em formato JSON. O manager gere tanto a comunicação entre eles como entre o sistema e o utilizador</a:t>
+            </a:r>
+          </a:p>
+          <a:p>
             <a:r>
               <a:rPr lang="pt-PT" dirty="0"/>
-              <a:t> (PADRAO em JSON / VETOR DE INFO) –convertemos os valores do padrão noutros valores, segundo os intervalos estabelecidos por</a:t>
-            </a:r>
-            <a:br>
-              <a:rPr lang="pt-PT" dirty="0"/>
-            </a:br>
-            <a:r>
-              <a:rPr lang="pt-PT" dirty="0"/>
-              <a:t>                   nós.</a:t>
-            </a:r>
-          </a:p>
-          <a:p>
-            <a:r>
-              <a:rPr lang="pt-PT" dirty="0"/>
-              <a:t>                –  definir “informação útil” (dados do aluno como performance, se acertou ou errou ultima pergunta,…)</a:t>
-            </a:r>
-          </a:p>
-          <a:p>
-            <a:endParaRPr lang="pt-PT" dirty="0"/>
-          </a:p>
-          <a:p>
-            <a:r>
-              <a:rPr lang="pt-PT" dirty="0"/>
-              <a:t>Ponto 1.2 – explicar que analisamos esses valores e testamos contra as regras estabelecidas por nós, respetivas a cada um dos </a:t>
-            </a:r>
-            <a:r>
-              <a:rPr lang="pt-PT" dirty="0" err="1"/>
-              <a:t>dominios</a:t>
-            </a:r>
-            <a:r>
-              <a:rPr lang="pt-PT" dirty="0"/>
-              <a:t>.</a:t>
-            </a:r>
-          </a:p>
-          <a:p>
-            <a:endParaRPr lang="pt-PT" dirty="0"/>
-          </a:p>
-          <a:p>
-            <a:r>
-              <a:rPr lang="pt-PT" dirty="0"/>
-              <a:t>Ponto 1.3 – dizer que a regra acionada (cujas condições são satisfeitas pelos valores) vai ditar qual o tipo de frase a apresentar ao utilizador</a:t>
-            </a:r>
-            <a:br>
-              <a:rPr lang="pt-PT" dirty="0"/>
-            </a:br>
-            <a:endParaRPr lang="pt-PT" dirty="0"/>
+              <a:t>Todos os componentes mencionados têm acesso a coleções em bases de dados Mongo, de forma a armazenar e obter os dados necessários para o funcionamento do sistema</a:t>
+            </a:r>
           </a:p>
         </p:txBody>
       </p:sp>
@@ -1431,7 +1446,7 @@
           <a:p>
             <a:fld id="{F9C76EEC-3DB8-4814-A8C5-185DA6C5A9E9}" type="slidenum">
               <a:rPr lang="pt-PT" smtClean="0"/>
-              <a:t>7</a:t>
+              <a:t>6</a:t>
             </a:fld>
             <a:endParaRPr lang="pt-PT"/>
           </a:p>
@@ -1440,7 +1455,7 @@
     </p:spTree>
     <p:extLst>
       <p:ext uri="{BB962C8B-B14F-4D97-AF65-F5344CB8AC3E}">
-        <p14:creationId xmlns:p14="http://schemas.microsoft.com/office/powerpoint/2010/main" val="1112323880"/>
+        <p14:creationId xmlns:p14="http://schemas.microsoft.com/office/powerpoint/2010/main" val="371599106"/>
       </p:ext>
     </p:extLst>
   </p:cSld>
@@ -1494,128 +1509,296 @@
           <a:bodyPr/>
           <a:lstStyle/>
           <a:p>
+            <a:pPr marL="0" marR="0" lvl="0" indent="0" algn="l" defTabSz="914400" rtl="0" eaLnBrk="1" fontAlgn="auto" latinLnBrk="0" hangingPunct="1">
+              <a:lnSpc>
+                <a:spcPct val="100000"/>
+              </a:lnSpc>
+              <a:spcBef>
+                <a:spcPts val="0"/>
+              </a:spcBef>
+              <a:spcAft>
+                <a:spcPts val="0"/>
+              </a:spcAft>
+              <a:buClrTx/>
+              <a:buSzTx/>
+              <a:buFontTx/>
+              <a:buNone/>
+              <a:tabLst/>
+              <a:defRPr/>
+            </a:pPr>
             <a:r>
               <a:rPr lang="pt-PT" dirty="0"/>
-              <a:t>DIANA</a:t>
-            </a:r>
-          </a:p>
-          <a:p>
+              <a:t>Analise de padrão-&gt; </a:t>
+            </a:r>
+            <a:r>
+              <a:rPr lang="pt-PT" dirty="0" err="1"/>
+              <a:t>profiler</a:t>
+            </a:r>
+            <a:r>
+              <a:rPr lang="pt-PT" dirty="0"/>
+              <a:t>/manager envia </a:t>
+            </a:r>
+            <a:r>
+              <a:rPr lang="pt-PT" dirty="0" err="1"/>
+              <a:t>padrao</a:t>
+            </a:r>
+            <a:r>
+              <a:rPr lang="pt-PT" dirty="0"/>
+              <a:t> em JSON, nós extraímos e convertemos os seus valores em </a:t>
+            </a:r>
+            <a:r>
+              <a:rPr lang="pt-PT" dirty="0" err="1"/>
+              <a:t>info</a:t>
+            </a:r>
+            <a:r>
+              <a:rPr lang="pt-PT" dirty="0"/>
+              <a:t> útil</a:t>
+            </a:r>
+          </a:p>
+          <a:p>
+            <a:pPr marL="0" marR="0" lvl="0" indent="0" algn="l" defTabSz="914400" rtl="0" eaLnBrk="1" fontAlgn="auto" latinLnBrk="0" hangingPunct="1">
+              <a:lnSpc>
+                <a:spcPct val="100000"/>
+              </a:lnSpc>
+              <a:spcBef>
+                <a:spcPts val="0"/>
+              </a:spcBef>
+              <a:spcAft>
+                <a:spcPts val="0"/>
+              </a:spcAft>
+              <a:buClrTx/>
+              <a:buSzTx/>
+              <a:buFontTx/>
+              <a:buNone/>
+              <a:tabLst/>
+              <a:defRPr/>
+            </a:pPr>
+            <a:r>
+              <a:rPr lang="pt-PT" dirty="0"/>
+              <a:t>Motor de regras-&gt; processamos essa </a:t>
+            </a:r>
+            <a:r>
+              <a:rPr lang="pt-PT" dirty="0" err="1"/>
+              <a:t>info</a:t>
+            </a:r>
+            <a:r>
+              <a:rPr lang="pt-PT" dirty="0"/>
+              <a:t> num motor de regras. Este motor de regras consiste num conjunto de pares de condição-ação. As </a:t>
+            </a:r>
+            <a:r>
+              <a:rPr lang="pt-PT" dirty="0" err="1"/>
+              <a:t>codiçoes</a:t>
+            </a:r>
+            <a:r>
+              <a:rPr lang="pt-PT" dirty="0"/>
+              <a:t> que forem satisfeitas pela informação recolhida faz com que uma regra seja disparada e uma ação seja executada (gerado um dialogo)</a:t>
+            </a:r>
+          </a:p>
+          <a:p>
+            <a:pPr marL="0" marR="0" lvl="0" indent="0" algn="l" defTabSz="914400" rtl="0" eaLnBrk="1" fontAlgn="auto" latinLnBrk="0" hangingPunct="1">
+              <a:lnSpc>
+                <a:spcPct val="100000"/>
+              </a:lnSpc>
+              <a:spcBef>
+                <a:spcPts val="0"/>
+              </a:spcBef>
+              <a:spcAft>
+                <a:spcPts val="0"/>
+              </a:spcAft>
+              <a:buClrTx/>
+              <a:buSzTx/>
+              <a:buFontTx/>
+              <a:buNone/>
+              <a:tabLst/>
+              <a:defRPr/>
+            </a:pPr>
+            <a:r>
+              <a:rPr lang="pt-PT" dirty="0"/>
+              <a:t>Seleção do dialogo -&gt; o dialogo é gerado automaticamente e dinamicamente nesse mesmo momento</a:t>
+            </a:r>
+          </a:p>
+          <a:p>
+            <a:pPr marL="0" marR="0" lvl="0" indent="0" algn="l" defTabSz="914400" rtl="0" eaLnBrk="1" fontAlgn="auto" latinLnBrk="0" hangingPunct="1">
+              <a:lnSpc>
+                <a:spcPct val="100000"/>
+              </a:lnSpc>
+              <a:spcBef>
+                <a:spcPts val="0"/>
+              </a:spcBef>
+              <a:spcAft>
+                <a:spcPts val="0"/>
+              </a:spcAft>
+              <a:buClrTx/>
+              <a:buSzTx/>
+              <a:buFontTx/>
+              <a:buNone/>
+              <a:tabLst/>
+              <a:defRPr/>
+            </a:pPr>
             <a:endParaRPr lang="pt-PT" dirty="0"/>
           </a:p>
           <a:p>
+            <a:pPr marL="0" marR="0" lvl="0" indent="0" algn="l" defTabSz="914400" rtl="0" eaLnBrk="1" fontAlgn="auto" latinLnBrk="0" hangingPunct="1">
+              <a:lnSpc>
+                <a:spcPct val="100000"/>
+              </a:lnSpc>
+              <a:spcBef>
+                <a:spcPts val="0"/>
+              </a:spcBef>
+              <a:spcAft>
+                <a:spcPts val="0"/>
+              </a:spcAft>
+              <a:buClrTx/>
+              <a:buSzTx/>
+              <a:buFontTx/>
+              <a:buNone/>
+              <a:tabLst/>
+              <a:defRPr/>
+            </a:pPr>
+            <a:endParaRPr lang="pt-PT" dirty="0"/>
+          </a:p>
+          <a:p>
+            <a:pPr marL="0" marR="0" lvl="0" indent="0" algn="l" defTabSz="914400" rtl="0" eaLnBrk="1" fontAlgn="auto" latinLnBrk="0" hangingPunct="1">
+              <a:lnSpc>
+                <a:spcPct val="100000"/>
+              </a:lnSpc>
+              <a:spcBef>
+                <a:spcPts val="0"/>
+              </a:spcBef>
+              <a:spcAft>
+                <a:spcPts val="0"/>
+              </a:spcAft>
+              <a:buClrTx/>
+              <a:buSzTx/>
+              <a:buFontTx/>
+              <a:buNone/>
+              <a:tabLst/>
+              <a:defRPr/>
+            </a:pPr>
+            <a:endParaRPr lang="pt-PT" dirty="0"/>
+          </a:p>
+          <a:p>
+            <a:pPr marL="0" marR="0" lvl="0" indent="0" algn="l" defTabSz="914400" rtl="0" eaLnBrk="1" fontAlgn="auto" latinLnBrk="0" hangingPunct="1">
+              <a:lnSpc>
+                <a:spcPct val="100000"/>
+              </a:lnSpc>
+              <a:spcBef>
+                <a:spcPts val="0"/>
+              </a:spcBef>
+              <a:spcAft>
+                <a:spcPts val="0"/>
+              </a:spcAft>
+              <a:buClrTx/>
+              <a:buSzTx/>
+              <a:buFontTx/>
+              <a:buNone/>
+              <a:tabLst/>
+              <a:defRPr/>
+            </a:pPr>
             <a:r>
               <a:rPr lang="pt-PT" dirty="0"/>
-              <a:t>&gt;&gt; </a:t>
+              <a:t>&gt;&gt; apresentação geral das funcionalidades do componente.</a:t>
+            </a:r>
+          </a:p>
+          <a:p>
+            <a:pPr marL="0" marR="0" lvl="0" indent="0" algn="l" defTabSz="914400" rtl="0" eaLnBrk="1" fontAlgn="auto" latinLnBrk="0" hangingPunct="1">
+              <a:lnSpc>
+                <a:spcPct val="100000"/>
+              </a:lnSpc>
+              <a:spcBef>
+                <a:spcPts val="0"/>
+              </a:spcBef>
+              <a:spcAft>
+                <a:spcPts val="0"/>
+              </a:spcAft>
+              <a:buClrTx/>
+              <a:buSzTx/>
+              <a:buFontTx/>
+              <a:buNone/>
+              <a:tabLst/>
+              <a:defRPr/>
+            </a:pPr>
+            <a:endParaRPr lang="pt-PT" dirty="0"/>
+          </a:p>
+          <a:p>
+            <a:pPr marL="0" marR="0" lvl="0" indent="0" algn="l" defTabSz="914400" rtl="0" eaLnBrk="1" fontAlgn="auto" latinLnBrk="0" hangingPunct="1">
+              <a:lnSpc>
+                <a:spcPct val="100000"/>
+              </a:lnSpc>
+              <a:spcBef>
+                <a:spcPts val="0"/>
+              </a:spcBef>
+              <a:spcAft>
+                <a:spcPts val="0"/>
+              </a:spcAft>
+              <a:buClrTx/>
+              <a:buSzTx/>
+              <a:buFontTx/>
+              <a:buNone/>
+              <a:tabLst/>
+              <a:defRPr/>
+            </a:pPr>
+            <a:r>
+              <a:rPr lang="pt-PT" dirty="0"/>
+              <a:t>	COMPONENTE  NOSSA --- ESTÁ INTEGRADA NOUTRAS  como BD &amp; PROFILER</a:t>
+            </a:r>
+            <a:br>
+              <a:rPr lang="pt-PT" dirty="0"/>
+            </a:br>
+            <a:r>
+              <a:rPr lang="pt-PT" dirty="0"/>
+              <a:t>Ponto 1.1 – dizer que vem do </a:t>
             </a:r>
             <a:r>
               <a:rPr lang="pt-PT" dirty="0" err="1"/>
-              <a:t>tipoe</a:t>
+              <a:t>profiler</a:t>
             </a:r>
             <a:r>
               <a:rPr lang="pt-PT" dirty="0"/>
-              <a:t> de frase = nível </a:t>
-            </a:r>
-            <a:r>
-              <a:rPr lang="pt-PT"/>
-              <a:t>de ironia</a:t>
-            </a:r>
+              <a:t> (PADRAO em JSON / VETOR DE INFO) –convertemos os valores do padrão noutros valores, segundo os intervalos estabelecidos por</a:t>
+            </a:r>
+            <a:br>
+              <a:rPr lang="pt-PT" dirty="0"/>
+            </a:br>
+            <a:r>
+              <a:rPr lang="pt-PT" dirty="0"/>
+              <a:t>                   nós.</a:t>
+            </a:r>
+          </a:p>
+          <a:p>
+            <a:r>
+              <a:rPr lang="pt-PT" dirty="0"/>
+              <a:t>                –  definir “informação útil” (dados do aluno como performance, se acertou ou errou ultima pergunta,…)</a:t>
+            </a:r>
+          </a:p>
+          <a:p>
             <a:endParaRPr lang="pt-PT" dirty="0"/>
           </a:p>
           <a:p>
             <a:r>
               <a:rPr lang="pt-PT" dirty="0"/>
-              <a:t>&gt;&gt; apresentação de um pequeno excerto da base de dados das frases e da sua informação de suporte.</a:t>
-            </a:r>
-          </a:p>
-          <a:p>
+              <a:t>Ponto 1.2 – explicar que analisamos esses valores e testamos contra as regras estabelecidas por nós, respetivas a cada um dos </a:t>
+            </a:r>
+            <a:r>
+              <a:rPr lang="pt-PT" dirty="0" err="1"/>
+              <a:t>dominios</a:t>
+            </a:r>
             <a:r>
               <a:rPr lang="pt-PT" dirty="0"/>
-              <a:t>&gt;&gt; exemplo de um diálogo suportado pelo sistema.</a:t>
-            </a:r>
+              <a:t>.</a:t>
+            </a:r>
+          </a:p>
+          <a:p>
+            <a:endParaRPr lang="pt-PT" dirty="0"/>
           </a:p>
           <a:p>
             <a:r>
               <a:rPr lang="pt-PT" dirty="0"/>
-              <a:t>&gt;&gt; explicar </a:t>
-            </a:r>
-            <a:r>
-              <a:rPr lang="pt-PT" dirty="0" err="1"/>
-              <a:t>tags</a:t>
-            </a:r>
-            <a:r>
+              <a:t>Ponto 1.3 – dizer que a regra acionada (cujas condições são satisfeitas pelos valores) vai ditar qual o tipo de frase a apresentar ao utilizador</a:t>
+            </a:r>
+            <a:br>
               <a:rPr lang="pt-PT" dirty="0"/>
-              <a:t> (</a:t>
-            </a:r>
-            <a:r>
-              <a:rPr lang="pt-PT" dirty="0" err="1"/>
-              <a:t>greetings</a:t>
-            </a:r>
-            <a:r>
-              <a:rPr lang="pt-PT" dirty="0"/>
-              <a:t>, </a:t>
-            </a:r>
-            <a:r>
-              <a:rPr lang="pt-PT" dirty="0" err="1"/>
-              <a:t>funny</a:t>
-            </a:r>
-            <a:r>
-              <a:rPr lang="pt-PT" dirty="0"/>
-              <a:t> [ESTADOS ESPIRITO LEONARDO], </a:t>
-            </a:r>
-            <a:r>
-              <a:rPr lang="pt-PT" dirty="0" err="1"/>
-              <a:t>phrase</a:t>
-            </a:r>
-            <a:r>
-              <a:rPr lang="pt-PT" dirty="0"/>
-              <a:t>, </a:t>
-            </a:r>
-            <a:r>
-              <a:rPr lang="pt-PT" dirty="0" err="1"/>
-              <a:t>answer</a:t>
-            </a:r>
-            <a:r>
-              <a:rPr lang="pt-PT" dirty="0"/>
-              <a:t>…)</a:t>
-            </a:r>
-          </a:p>
-          <a:p>
-            <a:r>
-              <a:rPr lang="pt-PT" dirty="0"/>
-              <a:t>&gt;&gt; Temos em conta agora a última vez que o </a:t>
-            </a:r>
-            <a:r>
-              <a:rPr lang="pt-PT" dirty="0" err="1"/>
-              <a:t>user</a:t>
-            </a:r>
-            <a:r>
-              <a:rPr lang="pt-PT" dirty="0"/>
-              <a:t> utilizou o chat, p fazer diálogo de acordo c isso. </a:t>
-            </a:r>
-          </a:p>
-          <a:p>
-            <a:r>
-              <a:rPr lang="pt-PT" dirty="0"/>
-              <a:t>Fizemos um </a:t>
-            </a:r>
-            <a:r>
-              <a:rPr lang="pt-PT" dirty="0" err="1"/>
-              <a:t>historico</a:t>
-            </a:r>
-            <a:r>
-              <a:rPr lang="pt-PT" dirty="0"/>
-              <a:t> de </a:t>
-            </a:r>
-            <a:r>
-              <a:rPr lang="pt-PT" dirty="0" err="1"/>
-              <a:t>user</a:t>
-            </a:r>
-            <a:r>
-              <a:rPr lang="pt-PT" dirty="0"/>
-              <a:t> p guardar isso se bem que depois vamos ter isso dado pelo Manager</a:t>
-            </a:r>
-          </a:p>
-          <a:p>
+            </a:br>
             <a:endParaRPr lang="pt-PT" dirty="0"/>
           </a:p>
         </p:txBody>
@@ -1637,7 +1820,7 @@
           <a:p>
             <a:fld id="{F9C76EEC-3DB8-4814-A8C5-185DA6C5A9E9}" type="slidenum">
               <a:rPr lang="pt-PT" smtClean="0"/>
-              <a:t>8</a:t>
+              <a:t>7</a:t>
             </a:fld>
             <a:endParaRPr lang="pt-PT"/>
           </a:p>
@@ -1646,7 +1829,7 @@
     </p:spTree>
     <p:extLst>
       <p:ext uri="{BB962C8B-B14F-4D97-AF65-F5344CB8AC3E}">
-        <p14:creationId xmlns:p14="http://schemas.microsoft.com/office/powerpoint/2010/main" val="2373765445"/>
+        <p14:creationId xmlns:p14="http://schemas.microsoft.com/office/powerpoint/2010/main" val="1112323880"/>
       </p:ext>
     </p:extLst>
   </p:cSld>
@@ -1700,13 +1883,21 @@
           <a:bodyPr/>
           <a:lstStyle/>
           <a:p>
-            <a:pPr marL="0" indent="0">
-              <a:buFontTx/>
-              <a:buNone/>
-            </a:pPr>
             <a:r>
               <a:rPr lang="pt-PT" dirty="0"/>
-              <a:t>- Temos agora a gerar dinamicamente segundo um </a:t>
+              <a:t>- Geração de frases supervisionadas</a:t>
+            </a:r>
+          </a:p>
+          <a:p>
+            <a:r>
+              <a:rPr lang="pt-PT" dirty="0"/>
+              <a:t>- tipos de frase = nível de ironia = é assim uma das formas que nós damos personalidade ao sistema</a:t>
+            </a:r>
+          </a:p>
+          <a:p>
+            <a:r>
+              <a:rPr lang="pt-PT" dirty="0"/>
+              <a:t>- conjunto de frases para servir como </a:t>
             </a:r>
             <a:r>
               <a:rPr lang="pt-PT" dirty="0" err="1"/>
@@ -1714,296 +1905,122 @@
             </a:r>
             <a:r>
               <a:rPr lang="pt-PT" dirty="0"/>
-              <a:t> inicial guardado em </a:t>
+              <a:t> inicial para a construção de dialogo</a:t>
+            </a:r>
+          </a:p>
+          <a:p>
+            <a:r>
+              <a:rPr lang="pt-PT" dirty="0"/>
+              <a:t>- conjunto de respostas apresentadas como </a:t>
             </a:r>
             <a:r>
               <a:rPr lang="pt-PT" dirty="0" err="1"/>
-              <a:t>mongoDB</a:t>
+              <a:t>opçoes</a:t>
             </a:r>
             <a:r>
               <a:rPr lang="pt-PT" dirty="0"/>
-              <a:t>, se bem que  temos é de popular mais</a:t>
+              <a:t> que o utilizador pode selecionar e assim interagir com o sistema</a:t>
             </a:r>
           </a:p>
           <a:p>
             <a:endParaRPr lang="pt-PT" dirty="0"/>
           </a:p>
           <a:p>
-            <a:pPr marL="171450" indent="-171450">
-              <a:buFontTx/>
-              <a:buChar char="-"/>
-            </a:pPr>
             <a:r>
               <a:rPr lang="pt-PT" dirty="0"/>
-              <a:t>No </a:t>
+              <a:t>&gt;&gt; apresentação de um pequeno excerto da base de dados das frases e da sua informação de suporte.</a:t>
+            </a:r>
+          </a:p>
+          <a:p>
+            <a:r>
+              <a:rPr lang="pt-PT" dirty="0"/>
+              <a:t>&gt;&gt; exemplo de um diálogo suportado pelo sistema.</a:t>
+            </a:r>
+          </a:p>
+          <a:p>
+            <a:r>
+              <a:rPr lang="pt-PT" dirty="0"/>
+              <a:t>&gt;&gt; explicar </a:t>
             </a:r>
             <a:r>
               <a:rPr lang="pt-PT" dirty="0" err="1"/>
-              <a:t>python</a:t>
+              <a:t>tags</a:t>
             </a:r>
             <a:r>
               <a:rPr lang="pt-PT" dirty="0"/>
-              <a:t> falar do script para geração de frases, com cadeias de </a:t>
+              <a:t> (</a:t>
             </a:r>
             <a:r>
               <a:rPr lang="pt-PT" dirty="0" err="1"/>
-              <a:t>Markov</a:t>
+              <a:t>greetings</a:t>
             </a:r>
             <a:r>
               <a:rPr lang="pt-PT" dirty="0"/>
-              <a:t> e utilização de NLTK para processamento de frases (separar por palavras)</a:t>
-            </a:r>
-          </a:p>
-          <a:p>
-            <a:pPr marL="171450" indent="-171450">
-              <a:buFontTx/>
-              <a:buChar char="-"/>
-            </a:pPr>
+              <a:t>, </a:t>
+            </a:r>
+            <a:r>
+              <a:rPr lang="pt-PT" dirty="0" err="1"/>
+              <a:t>funny</a:t>
+            </a:r>
+            <a:r>
+              <a:rPr lang="pt-PT" dirty="0"/>
+              <a:t> [ESTADOS ESPIRITO LEONARDO], </a:t>
+            </a:r>
+            <a:r>
+              <a:rPr lang="pt-PT" dirty="0" err="1"/>
+              <a:t>phrase</a:t>
+            </a:r>
+            <a:r>
+              <a:rPr lang="pt-PT" dirty="0"/>
+              <a:t>, </a:t>
+            </a:r>
+            <a:r>
+              <a:rPr lang="pt-PT" dirty="0" err="1"/>
+              <a:t>answer</a:t>
+            </a:r>
+            <a:r>
+              <a:rPr lang="pt-PT" dirty="0"/>
+              <a:t>…)</a:t>
+            </a:r>
+          </a:p>
+          <a:p>
+            <a:r>
+              <a:rPr lang="pt-PT" dirty="0"/>
+              <a:t>&gt;&gt; Temos em conta agora a última vez que o </a:t>
+            </a:r>
+            <a:r>
+              <a:rPr lang="pt-PT" dirty="0" err="1"/>
+              <a:t>user</a:t>
+            </a:r>
+            <a:r>
+              <a:rPr lang="pt-PT" dirty="0"/>
+              <a:t> utilizou o chat, p fazer diálogo de acordo c isso. </a:t>
+            </a:r>
+          </a:p>
+          <a:p>
+            <a:r>
+              <a:rPr lang="pt-PT" dirty="0"/>
+              <a:t>Fizemos um </a:t>
+            </a:r>
+            <a:r>
+              <a:rPr lang="pt-PT" dirty="0" err="1"/>
+              <a:t>historico</a:t>
+            </a:r>
+            <a:r>
+              <a:rPr lang="pt-PT" dirty="0"/>
+              <a:t> de </a:t>
+            </a:r>
+            <a:r>
+              <a:rPr lang="pt-PT" dirty="0" err="1"/>
+              <a:t>user</a:t>
+            </a:r>
+            <a:r>
+              <a:rPr lang="pt-PT" dirty="0"/>
+              <a:t> p guardar isso se bem que depois vamos ter isso dado pelo Manager</a:t>
+            </a:r>
+          </a:p>
+          <a:p>
             <a:endParaRPr lang="pt-PT" dirty="0"/>
-          </a:p>
-          <a:p>
-            <a:pPr marL="171450" indent="-171450">
-              <a:buFontTx/>
-              <a:buChar char="-"/>
-            </a:pPr>
-            <a:r>
-              <a:rPr lang="pt-PT" dirty="0" err="1"/>
-              <a:t>Sentence</a:t>
-            </a:r>
-            <a:r>
-              <a:rPr lang="pt-PT" dirty="0"/>
-              <a:t> </a:t>
-            </a:r>
-            <a:r>
-              <a:rPr lang="pt-PT" dirty="0" err="1"/>
-              <a:t>generator</a:t>
-            </a:r>
-            <a:r>
-              <a:rPr lang="pt-PT" dirty="0"/>
-              <a:t> </a:t>
-            </a:r>
-            <a:r>
-              <a:rPr lang="pt-PT" dirty="0" err="1"/>
-              <a:t>with</a:t>
-            </a:r>
-            <a:r>
-              <a:rPr lang="pt-PT" dirty="0"/>
-              <a:t> </a:t>
-            </a:r>
-            <a:r>
-              <a:rPr lang="pt-PT" dirty="0" err="1"/>
-              <a:t>Markov</a:t>
-            </a:r>
-            <a:r>
-              <a:rPr lang="pt-PT" dirty="0"/>
-              <a:t> </a:t>
-            </a:r>
-            <a:r>
-              <a:rPr lang="pt-PT" dirty="0" err="1"/>
-              <a:t>chains</a:t>
-            </a:r>
-            <a:r>
-              <a:rPr lang="pt-PT" dirty="0"/>
-              <a:t>: o programa </a:t>
-            </a:r>
-            <a:r>
-              <a:rPr lang="pt-PT" sz="1200" b="0" i="0" kern="1200" dirty="0">
-                <a:solidFill>
-                  <a:schemeClr val="tx1"/>
-                </a:solidFill>
-                <a:effectLst/>
-                <a:latin typeface="+mn-lt"/>
-                <a:ea typeface="+mn-ea"/>
-                <a:cs typeface="+mn-cs"/>
-              </a:rPr>
-              <a:t>cria um dicionário com as palavras, recebidas de um </a:t>
-            </a:r>
-            <a:r>
-              <a:rPr lang="pt-PT" sz="1200" b="0" i="0" kern="1200" dirty="0" err="1">
-                <a:solidFill>
-                  <a:schemeClr val="tx1"/>
-                </a:solidFill>
-                <a:effectLst/>
-                <a:latin typeface="+mn-lt"/>
-                <a:ea typeface="+mn-ea"/>
-                <a:cs typeface="+mn-cs"/>
-              </a:rPr>
-              <a:t>dataset</a:t>
-            </a:r>
-            <a:r>
-              <a:rPr lang="pt-PT" sz="1200" b="0" i="0" kern="1200" dirty="0">
-                <a:solidFill>
-                  <a:schemeClr val="tx1"/>
-                </a:solidFill>
-                <a:effectLst/>
-                <a:latin typeface="+mn-lt"/>
-                <a:ea typeface="+mn-ea"/>
-                <a:cs typeface="+mn-cs"/>
-              </a:rPr>
-              <a:t> com frases, e a palavra que vem a seguir, e depois aplica cadeias de </a:t>
-            </a:r>
-            <a:r>
-              <a:rPr lang="pt-PT" sz="1200" b="0" i="0" kern="1200" dirty="0" err="1">
-                <a:solidFill>
-                  <a:schemeClr val="tx1"/>
-                </a:solidFill>
-                <a:effectLst/>
-                <a:latin typeface="+mn-lt"/>
-                <a:ea typeface="+mn-ea"/>
-                <a:cs typeface="+mn-cs"/>
-              </a:rPr>
-              <a:t>Markov</a:t>
-            </a:r>
-            <a:r>
-              <a:rPr lang="pt-PT" sz="1200" b="0" i="0" kern="1200" dirty="0">
-                <a:solidFill>
-                  <a:schemeClr val="tx1"/>
-                </a:solidFill>
-                <a:effectLst/>
-                <a:latin typeface="+mn-lt"/>
-                <a:ea typeface="+mn-ea"/>
-                <a:cs typeface="+mn-cs"/>
-              </a:rPr>
-              <a:t> sobre essa informação tentando fazer frases que fazem sentido. As cadeias de </a:t>
-            </a:r>
-            <a:r>
-              <a:rPr lang="pt-PT" sz="1200" b="0" i="0" kern="1200" dirty="0" err="1">
-                <a:solidFill>
-                  <a:schemeClr val="tx1"/>
-                </a:solidFill>
-                <a:effectLst/>
-                <a:latin typeface="+mn-lt"/>
-                <a:ea typeface="+mn-ea"/>
-                <a:cs typeface="+mn-cs"/>
-              </a:rPr>
-              <a:t>Markov</a:t>
-            </a:r>
-            <a:r>
-              <a:rPr lang="pt-PT" sz="1200" b="0" i="0" kern="1200" dirty="0">
-                <a:solidFill>
-                  <a:schemeClr val="tx1"/>
-                </a:solidFill>
-                <a:effectLst/>
-                <a:latin typeface="+mn-lt"/>
-                <a:ea typeface="+mn-ea"/>
-                <a:cs typeface="+mn-cs"/>
-              </a:rPr>
-              <a:t> são uteis para prever o estado futuro com base nas características do estado presente. Assim , o programa utiliza e analisa as frases de um </a:t>
-            </a:r>
-            <a:r>
-              <a:rPr lang="pt-PT" sz="1200" b="0" i="0" kern="1200" dirty="0" err="1">
-                <a:solidFill>
-                  <a:schemeClr val="tx1"/>
-                </a:solidFill>
-                <a:effectLst/>
-                <a:latin typeface="+mn-lt"/>
-                <a:ea typeface="+mn-ea"/>
-                <a:cs typeface="+mn-cs"/>
-              </a:rPr>
-              <a:t>dataset</a:t>
-            </a:r>
-            <a:r>
-              <a:rPr lang="pt-PT" sz="1200" b="0" i="0" kern="1200" dirty="0">
-                <a:solidFill>
-                  <a:schemeClr val="tx1"/>
-                </a:solidFill>
-                <a:effectLst/>
-                <a:latin typeface="+mn-lt"/>
-                <a:ea typeface="+mn-ea"/>
-                <a:cs typeface="+mn-cs"/>
-              </a:rPr>
-              <a:t> inicial e, a partir dai, tenta prever e gerar novas frases. Utiliza as cadeiras de </a:t>
-            </a:r>
-            <a:r>
-              <a:rPr lang="pt-PT" sz="1200" b="0" i="0" kern="1200" dirty="0" err="1">
-                <a:solidFill>
-                  <a:schemeClr val="tx1"/>
-                </a:solidFill>
-                <a:effectLst/>
-                <a:latin typeface="+mn-lt"/>
-                <a:ea typeface="+mn-ea"/>
-                <a:cs typeface="+mn-cs"/>
-              </a:rPr>
-              <a:t>markov</a:t>
-            </a:r>
-            <a:r>
-              <a:rPr lang="pt-PT" sz="1200" b="0" i="0" kern="1200" dirty="0">
-                <a:solidFill>
-                  <a:schemeClr val="tx1"/>
-                </a:solidFill>
-                <a:effectLst/>
-                <a:latin typeface="+mn-lt"/>
-                <a:ea typeface="+mn-ea"/>
-                <a:cs typeface="+mn-cs"/>
-              </a:rPr>
-              <a:t> para prever quais as sequências de palavras mais adequadas que precedem a um outro conjunto de palavras.</a:t>
-            </a:r>
-          </a:p>
-          <a:p>
-            <a:pPr marL="171450" indent="-171450">
-              <a:buFontTx/>
-              <a:buChar char="-"/>
-            </a:pPr>
-            <a:r>
-              <a:rPr lang="pt-PT" sz="1200" b="0" i="0" kern="1200" dirty="0">
-                <a:solidFill>
-                  <a:schemeClr val="tx1"/>
-                </a:solidFill>
-                <a:effectLst/>
-                <a:latin typeface="+mn-lt"/>
-                <a:ea typeface="+mn-ea"/>
-                <a:cs typeface="+mn-cs"/>
-              </a:rPr>
-              <a:t>Cadeias de </a:t>
-            </a:r>
-            <a:r>
-              <a:rPr lang="pt-PT" sz="1200" b="0" i="0" kern="1200" dirty="0" err="1">
-                <a:solidFill>
-                  <a:schemeClr val="tx1"/>
-                </a:solidFill>
-                <a:effectLst/>
-                <a:latin typeface="+mn-lt"/>
-                <a:ea typeface="+mn-ea"/>
-                <a:cs typeface="+mn-cs"/>
-              </a:rPr>
-              <a:t>Markov</a:t>
-            </a:r>
-            <a:r>
-              <a:rPr lang="pt-PT" sz="1200" b="0" i="0" kern="1200" dirty="0">
-                <a:solidFill>
-                  <a:schemeClr val="tx1"/>
-                </a:solidFill>
-                <a:effectLst/>
-                <a:latin typeface="+mn-lt"/>
-                <a:ea typeface="+mn-ea"/>
-                <a:cs typeface="+mn-cs"/>
-              </a:rPr>
-              <a:t> são, por isso, bastante utilizadas neste tipo de situações (</a:t>
-            </a:r>
-            <a:r>
-              <a:rPr lang="pt-PT" sz="1200" b="0" i="0" kern="1200" dirty="0" err="1">
-                <a:solidFill>
-                  <a:schemeClr val="tx1"/>
-                </a:solidFill>
-                <a:effectLst/>
-                <a:latin typeface="+mn-lt"/>
-                <a:ea typeface="+mn-ea"/>
-                <a:cs typeface="+mn-cs"/>
-              </a:rPr>
-              <a:t>chatbots</a:t>
-            </a:r>
-            <a:r>
-              <a:rPr lang="pt-PT" sz="1200" b="0" i="0" kern="1200" dirty="0">
-                <a:solidFill>
-                  <a:schemeClr val="tx1"/>
-                </a:solidFill>
-                <a:effectLst/>
-                <a:latin typeface="+mn-lt"/>
-                <a:ea typeface="+mn-ea"/>
-                <a:cs typeface="+mn-cs"/>
-              </a:rPr>
-              <a:t>)!</a:t>
-            </a:r>
           </a:p>
         </p:txBody>
       </p:sp>
@@ -2024,7 +2041,7 @@
           <a:p>
             <a:fld id="{F9C76EEC-3DB8-4814-A8C5-185DA6C5A9E9}" type="slidenum">
               <a:rPr lang="pt-PT" smtClean="0"/>
-              <a:t>9</a:t>
+              <a:t>8</a:t>
             </a:fld>
             <a:endParaRPr lang="pt-PT"/>
           </a:p>
@@ -2033,7 +2050,7 @@
     </p:spTree>
     <p:extLst>
       <p:ext uri="{BB962C8B-B14F-4D97-AF65-F5344CB8AC3E}">
-        <p14:creationId xmlns:p14="http://schemas.microsoft.com/office/powerpoint/2010/main" val="3154484066"/>
+        <p14:creationId xmlns:p14="http://schemas.microsoft.com/office/powerpoint/2010/main" val="2373765445"/>
       </p:ext>
     </p:extLst>
   </p:cSld>
@@ -2087,23 +2104,364 @@
           <a:bodyPr/>
           <a:lstStyle/>
           <a:p>
+            <a:pPr marL="0" indent="0">
+              <a:buFontTx/>
+              <a:buNone/>
+            </a:pPr>
+            <a:r>
+              <a:rPr lang="pt-PT" dirty="0"/>
+              <a:t>Todo este projeto está a ser desenvolvido em </a:t>
+            </a:r>
             <a:r>
               <a:rPr lang="pt-PT" dirty="0" err="1"/>
-              <a:t>Pyknow</a:t>
+              <a:t>python</a:t>
             </a:r>
             <a:r>
               <a:rPr lang="pt-PT" dirty="0"/>
-              <a:t> para geração de regras</a:t>
-            </a:r>
-          </a:p>
-          <a:p>
+              <a:t>.</a:t>
+            </a:r>
+          </a:p>
+          <a:p>
+            <a:pPr marL="0" indent="0">
+              <a:buFontTx/>
+              <a:buNone/>
+            </a:pPr>
+            <a:endParaRPr lang="pt-PT" dirty="0"/>
+          </a:p>
+          <a:p>
+            <a:pPr marL="0" indent="0">
+              <a:buFontTx/>
+              <a:buNone/>
+            </a:pPr>
+            <a:r>
+              <a:rPr lang="pt-PT" dirty="0"/>
+              <a:t>Usamos biblioteca </a:t>
+            </a:r>
             <a:r>
               <a:rPr lang="pt-PT" dirty="0" err="1"/>
-              <a:t>Pymongo</a:t>
+              <a:t>pyknow</a:t>
             </a:r>
             <a:r>
               <a:rPr lang="pt-PT" dirty="0"/>
-              <a:t> para conexão BD</a:t>
+              <a:t> para construir o nosso motor </a:t>
+            </a:r>
+            <a:r>
+              <a:rPr lang="pt-PT"/>
+              <a:t>de regras</a:t>
+            </a:r>
+            <a:endParaRPr lang="pt-PT" dirty="0"/>
+          </a:p>
+          <a:p>
+            <a:pPr marL="0" indent="0">
+              <a:buFontTx/>
+              <a:buNone/>
+            </a:pPr>
+            <a:endParaRPr lang="pt-PT" dirty="0"/>
+          </a:p>
+          <a:p>
+            <a:pPr marL="0" indent="0">
+              <a:buFontTx/>
+              <a:buNone/>
+            </a:pPr>
+            <a:r>
+              <a:rPr lang="pt-PT" dirty="0"/>
+              <a:t>- Temos agora a gerar dinamicamente segundo um </a:t>
+            </a:r>
+            <a:r>
+              <a:rPr lang="pt-PT" dirty="0" err="1"/>
+              <a:t>dataset</a:t>
+            </a:r>
+            <a:r>
+              <a:rPr lang="pt-PT" dirty="0"/>
+              <a:t> inicial guardado em </a:t>
+            </a:r>
+            <a:r>
+              <a:rPr lang="pt-PT" dirty="0" err="1"/>
+              <a:t>mongoDB</a:t>
+            </a:r>
+            <a:r>
+              <a:rPr lang="pt-PT" dirty="0"/>
+              <a:t>, se bem que  temos é de popular mais</a:t>
+            </a:r>
+          </a:p>
+          <a:p>
+            <a:endParaRPr lang="pt-PT" dirty="0"/>
+          </a:p>
+          <a:p>
+            <a:pPr marL="171450" indent="-171450">
+              <a:buFontTx/>
+              <a:buChar char="-"/>
+            </a:pPr>
+            <a:r>
+              <a:rPr lang="pt-PT" dirty="0"/>
+              <a:t>No </a:t>
+            </a:r>
+            <a:r>
+              <a:rPr lang="pt-PT" dirty="0" err="1"/>
+              <a:t>python</a:t>
+            </a:r>
+            <a:r>
+              <a:rPr lang="pt-PT" dirty="0"/>
+              <a:t> falar do script para geração de frases, com cadeias de </a:t>
+            </a:r>
+            <a:r>
+              <a:rPr lang="pt-PT" dirty="0" err="1"/>
+              <a:t>Markov</a:t>
+            </a:r>
+            <a:r>
+              <a:rPr lang="pt-PT" dirty="0"/>
+              <a:t> e utilização do pacote NLTK para processamento de frases de dialogo (separar por palavras)</a:t>
+            </a:r>
+          </a:p>
+          <a:p>
+            <a:pPr marL="171450" indent="-171450">
+              <a:buFontTx/>
+              <a:buChar char="-"/>
+            </a:pPr>
+            <a:endParaRPr lang="pt-PT" dirty="0"/>
+          </a:p>
+          <a:p>
+            <a:pPr marL="171450" indent="-171450">
+              <a:buFontTx/>
+              <a:buChar char="-"/>
+            </a:pPr>
+            <a:r>
+              <a:rPr lang="pt-PT" dirty="0" err="1"/>
+              <a:t>Sentence</a:t>
+            </a:r>
+            <a:r>
+              <a:rPr lang="pt-PT" dirty="0"/>
+              <a:t> </a:t>
+            </a:r>
+            <a:r>
+              <a:rPr lang="pt-PT" dirty="0" err="1"/>
+              <a:t>generator</a:t>
+            </a:r>
+            <a:r>
+              <a:rPr lang="pt-PT" dirty="0"/>
+              <a:t> </a:t>
+            </a:r>
+            <a:r>
+              <a:rPr lang="pt-PT" dirty="0" err="1"/>
+              <a:t>with</a:t>
+            </a:r>
+            <a:r>
+              <a:rPr lang="pt-PT" dirty="0"/>
+              <a:t> </a:t>
+            </a:r>
+            <a:r>
+              <a:rPr lang="pt-PT" dirty="0" err="1"/>
+              <a:t>Markov</a:t>
+            </a:r>
+            <a:r>
+              <a:rPr lang="pt-PT" dirty="0"/>
+              <a:t> </a:t>
+            </a:r>
+            <a:r>
+              <a:rPr lang="pt-PT" dirty="0" err="1"/>
+              <a:t>chains</a:t>
+            </a:r>
+            <a:r>
+              <a:rPr lang="pt-PT" dirty="0"/>
+              <a:t>: o programa </a:t>
+            </a:r>
+            <a:r>
+              <a:rPr lang="pt-PT" sz="1200" b="0" i="0" kern="1200" dirty="0">
+                <a:solidFill>
+                  <a:schemeClr val="tx1"/>
+                </a:solidFill>
+                <a:effectLst/>
+                <a:latin typeface="+mn-lt"/>
+                <a:ea typeface="+mn-ea"/>
+                <a:cs typeface="+mn-cs"/>
+              </a:rPr>
+              <a:t>cria um dicionário com as palavras, recebidas de um </a:t>
+            </a:r>
+            <a:r>
+              <a:rPr lang="pt-PT" sz="1200" b="0" i="0" kern="1200" dirty="0" err="1">
+                <a:solidFill>
+                  <a:schemeClr val="tx1"/>
+                </a:solidFill>
+                <a:effectLst/>
+                <a:latin typeface="+mn-lt"/>
+                <a:ea typeface="+mn-ea"/>
+                <a:cs typeface="+mn-cs"/>
+              </a:rPr>
+              <a:t>dataset</a:t>
+            </a:r>
+            <a:r>
+              <a:rPr lang="pt-PT" sz="1200" b="0" i="0" kern="1200" dirty="0">
+                <a:solidFill>
+                  <a:schemeClr val="tx1"/>
+                </a:solidFill>
+                <a:effectLst/>
+                <a:latin typeface="+mn-lt"/>
+                <a:ea typeface="+mn-ea"/>
+                <a:cs typeface="+mn-cs"/>
+              </a:rPr>
+              <a:t> com frases, e a palavra que vem a seguir, e depois aplica cadeias de </a:t>
+            </a:r>
+            <a:r>
+              <a:rPr lang="pt-PT" sz="1200" b="0" i="0" kern="1200" dirty="0" err="1">
+                <a:solidFill>
+                  <a:schemeClr val="tx1"/>
+                </a:solidFill>
+                <a:effectLst/>
+                <a:latin typeface="+mn-lt"/>
+                <a:ea typeface="+mn-ea"/>
+                <a:cs typeface="+mn-cs"/>
+              </a:rPr>
+              <a:t>Markov</a:t>
+            </a:r>
+            <a:r>
+              <a:rPr lang="pt-PT" sz="1200" b="0" i="0" kern="1200" dirty="0">
+                <a:solidFill>
+                  <a:schemeClr val="tx1"/>
+                </a:solidFill>
+                <a:effectLst/>
+                <a:latin typeface="+mn-lt"/>
+                <a:ea typeface="+mn-ea"/>
+                <a:cs typeface="+mn-cs"/>
+              </a:rPr>
+              <a:t> sobre essa informação tentando fazer frases que fazem sentido. As cadeias de </a:t>
+            </a:r>
+            <a:r>
+              <a:rPr lang="pt-PT" sz="1200" b="0" i="0" kern="1200" dirty="0" err="1">
+                <a:solidFill>
+                  <a:schemeClr val="tx1"/>
+                </a:solidFill>
+                <a:effectLst/>
+                <a:latin typeface="+mn-lt"/>
+                <a:ea typeface="+mn-ea"/>
+                <a:cs typeface="+mn-cs"/>
+              </a:rPr>
+              <a:t>Markov</a:t>
+            </a:r>
+            <a:r>
+              <a:rPr lang="pt-PT" sz="1200" b="0" i="0" kern="1200" dirty="0">
+                <a:solidFill>
+                  <a:schemeClr val="tx1"/>
+                </a:solidFill>
+                <a:effectLst/>
+                <a:latin typeface="+mn-lt"/>
+                <a:ea typeface="+mn-ea"/>
+                <a:cs typeface="+mn-cs"/>
+              </a:rPr>
+              <a:t> são uteis para prever o estado futuro com base nas características do estado presente. Assim , o programa utiliza e analisa as frases de um </a:t>
+            </a:r>
+            <a:r>
+              <a:rPr lang="pt-PT" sz="1200" b="0" i="0" kern="1200" dirty="0" err="1">
+                <a:solidFill>
+                  <a:schemeClr val="tx1"/>
+                </a:solidFill>
+                <a:effectLst/>
+                <a:latin typeface="+mn-lt"/>
+                <a:ea typeface="+mn-ea"/>
+                <a:cs typeface="+mn-cs"/>
+              </a:rPr>
+              <a:t>dataset</a:t>
+            </a:r>
+            <a:r>
+              <a:rPr lang="pt-PT" sz="1200" b="0" i="0" kern="1200" dirty="0">
+                <a:solidFill>
+                  <a:schemeClr val="tx1"/>
+                </a:solidFill>
+                <a:effectLst/>
+                <a:latin typeface="+mn-lt"/>
+                <a:ea typeface="+mn-ea"/>
+                <a:cs typeface="+mn-cs"/>
+              </a:rPr>
+              <a:t> inicial e, a partir dai, tenta prever e gerar novas frases. Utiliza as cadeiras de </a:t>
+            </a:r>
+            <a:r>
+              <a:rPr lang="pt-PT" sz="1200" b="0" i="0" kern="1200" dirty="0" err="1">
+                <a:solidFill>
+                  <a:schemeClr val="tx1"/>
+                </a:solidFill>
+                <a:effectLst/>
+                <a:latin typeface="+mn-lt"/>
+                <a:ea typeface="+mn-ea"/>
+                <a:cs typeface="+mn-cs"/>
+              </a:rPr>
+              <a:t>markov</a:t>
+            </a:r>
+            <a:r>
+              <a:rPr lang="pt-PT" sz="1200" b="0" i="0" kern="1200" dirty="0">
+                <a:solidFill>
+                  <a:schemeClr val="tx1"/>
+                </a:solidFill>
+                <a:effectLst/>
+                <a:latin typeface="+mn-lt"/>
+                <a:ea typeface="+mn-ea"/>
+                <a:cs typeface="+mn-cs"/>
+              </a:rPr>
+              <a:t> para prever quais as sequências de palavras mais adequadas que precedem a um outro conjunto de palavras.</a:t>
+            </a:r>
+          </a:p>
+          <a:p>
+            <a:pPr marL="171450" indent="-171450">
+              <a:buFontTx/>
+              <a:buChar char="-"/>
+            </a:pPr>
+            <a:r>
+              <a:rPr lang="pt-PT" sz="1200" b="0" i="0" kern="1200" dirty="0">
+                <a:solidFill>
+                  <a:schemeClr val="tx1"/>
+                </a:solidFill>
+                <a:effectLst/>
+                <a:latin typeface="+mn-lt"/>
+                <a:ea typeface="+mn-ea"/>
+                <a:cs typeface="+mn-cs"/>
+              </a:rPr>
+              <a:t>Cadeias de </a:t>
+            </a:r>
+            <a:r>
+              <a:rPr lang="pt-PT" sz="1200" b="0" i="0" kern="1200" dirty="0" err="1">
+                <a:solidFill>
+                  <a:schemeClr val="tx1"/>
+                </a:solidFill>
+                <a:effectLst/>
+                <a:latin typeface="+mn-lt"/>
+                <a:ea typeface="+mn-ea"/>
+                <a:cs typeface="+mn-cs"/>
+              </a:rPr>
+              <a:t>Markov</a:t>
+            </a:r>
+            <a:r>
+              <a:rPr lang="pt-PT" sz="1200" b="0" i="0" kern="1200" dirty="0">
+                <a:solidFill>
+                  <a:schemeClr val="tx1"/>
+                </a:solidFill>
+                <a:effectLst/>
+                <a:latin typeface="+mn-lt"/>
+                <a:ea typeface="+mn-ea"/>
+                <a:cs typeface="+mn-cs"/>
+              </a:rPr>
+              <a:t> são, por isso, bastante utilizadas neste tipo de situações (</a:t>
+            </a:r>
+            <a:r>
+              <a:rPr lang="pt-PT" sz="1200" b="0" i="0" kern="1200" dirty="0" err="1">
+                <a:solidFill>
+                  <a:schemeClr val="tx1"/>
+                </a:solidFill>
+                <a:effectLst/>
+                <a:latin typeface="+mn-lt"/>
+                <a:ea typeface="+mn-ea"/>
+                <a:cs typeface="+mn-cs"/>
+              </a:rPr>
+              <a:t>chatbots</a:t>
+            </a:r>
+            <a:r>
+              <a:rPr lang="pt-PT" sz="1200" b="0" i="0" kern="1200" dirty="0">
+                <a:solidFill>
+                  <a:schemeClr val="tx1"/>
+                </a:solidFill>
+                <a:effectLst/>
+                <a:latin typeface="+mn-lt"/>
+                <a:ea typeface="+mn-ea"/>
+                <a:cs typeface="+mn-cs"/>
+              </a:rPr>
+              <a:t>)!</a:t>
             </a:r>
           </a:p>
         </p:txBody>
@@ -2125,7 +2483,7 @@
           <a:p>
             <a:fld id="{F9C76EEC-3DB8-4814-A8C5-185DA6C5A9E9}" type="slidenum">
               <a:rPr lang="pt-PT" smtClean="0"/>
-              <a:t>10</a:t>
+              <a:t>9</a:t>
             </a:fld>
             <a:endParaRPr lang="pt-PT"/>
           </a:p>
@@ -2134,7 +2492,7 @@
     </p:spTree>
     <p:extLst>
       <p:ext uri="{BB962C8B-B14F-4D97-AF65-F5344CB8AC3E}">
-        <p14:creationId xmlns:p14="http://schemas.microsoft.com/office/powerpoint/2010/main" val="1631278"/>
+        <p14:creationId xmlns:p14="http://schemas.microsoft.com/office/powerpoint/2010/main" val="3154484066"/>
       </p:ext>
     </p:extLst>
   </p:cSld>
@@ -12476,10 +12834,10 @@
       </p:sp>
       <p:pic>
         <p:nvPicPr>
-          <p:cNvPr id="12" name="Marcador de Posição de Conteúdo 11">
+          <p:cNvPr id="11" name="Marcador de Posição de Conteúdo 10">
             <a:extLst>
               <a:ext uri="{FF2B5EF4-FFF2-40B4-BE49-F238E27FC236}">
-                <a16:creationId xmlns:a16="http://schemas.microsoft.com/office/drawing/2014/main" id="{F8809156-4AC9-4F2D-975F-C6112A3CBE11}"/>
+                <a16:creationId xmlns:a16="http://schemas.microsoft.com/office/drawing/2014/main" id="{298C9782-FAAF-48FA-8428-E1390A4F492E}"/>
               </a:ext>
             </a:extLst>
           </p:cNvPr>
@@ -12491,7 +12849,7 @@
           </p:nvPr>
         </p:nvPicPr>
         <p:blipFill>
-          <a:blip r:embed="rId2">
+          <a:blip r:embed="rId3">
             <a:extLst>
               <a:ext uri="{28A0092B-C50C-407E-A947-70E740481C1C}">
                 <a14:useLocalDpi xmlns:a14="http://schemas.microsoft.com/office/drawing/2010/main" val="0"/>
@@ -12504,8 +12862,8 @@
         </p:blipFill>
         <p:spPr>
           <a:xfrm>
-            <a:off x="5433376" y="432663"/>
-            <a:ext cx="5486365" cy="5872541"/>
+            <a:off x="5457010" y="548943"/>
+            <a:ext cx="5184320" cy="5549236"/>
           </a:xfrm>
         </p:spPr>
       </p:pic>
@@ -12962,19 +13320,20 @@
         </p:nvSpPr>
         <p:spPr>
           <a:xfrm>
-            <a:off x="940617" y="4421453"/>
-            <a:ext cx="865943" cy="369332"/>
+            <a:off x="811708" y="4282953"/>
+            <a:ext cx="1123761" cy="646331"/>
           </a:xfrm>
           <a:prstGeom prst="rect">
             <a:avLst/>
           </a:prstGeom>
         </p:spPr>
         <p:txBody>
-          <a:bodyPr wrap="none">
+          <a:bodyPr wrap="square">
             <a:spAutoFit/>
           </a:bodyPr>
           <a:lstStyle/>
           <a:p>
+            <a:pPr algn="ctr"/>
             <a:r>
               <a:rPr lang="pt-PT" i="1" dirty="0" err="1">
                 <a:solidFill>
@@ -12990,11 +13349,21 @@
               </a:rPr>
               <a:t>Profiler</a:t>
             </a:r>
-            <a:endParaRPr lang="pt-PT" dirty="0">
-              <a:solidFill>
-                <a:schemeClr val="bg1"/>
-              </a:solidFill>
-            </a:endParaRPr>
+            <a:r>
+              <a:rPr lang="pt-PT" i="1" dirty="0">
+                <a:solidFill>
+                  <a:schemeClr val="bg1"/>
+                </a:solidFill>
+                <a:effectLst>
+                  <a:outerShdw blurRad="38100" dist="38100" dir="2700000" algn="tl">
+                    <a:srgbClr val="000000">
+                      <a:alpha val="43137"/>
+                    </a:srgbClr>
+                  </a:outerShdw>
+                </a:effectLst>
+              </a:rPr>
+              <a:t>/ Manager</a:t>
+            </a:r>
           </a:p>
         </p:txBody>
       </p:sp>
@@ -14130,42 +14499,6 @@
           </a:p>
         </p:txBody>
       </p:sp>
-      <p:pic>
-        <p:nvPicPr>
-          <p:cNvPr id="11" name="Imagem 10" descr="Uma imagem com objeto&#10;&#10;Descrição gerada automaticamente">
-            <a:extLst>
-              <a:ext uri="{FF2B5EF4-FFF2-40B4-BE49-F238E27FC236}">
-                <a16:creationId xmlns:a16="http://schemas.microsoft.com/office/drawing/2014/main" id="{56C23E1A-3E18-429C-9802-D27661FD0B1C}"/>
-              </a:ext>
-            </a:extLst>
-          </p:cNvPr>
-          <p:cNvPicPr>
-            <a:picLocks noChangeAspect="1"/>
-          </p:cNvPicPr>
-          <p:nvPr/>
-        </p:nvPicPr>
-        <p:blipFill>
-          <a:blip r:embed="rId3">
-            <a:extLst>
-              <a:ext uri="{28A0092B-C50C-407E-A947-70E740481C1C}">
-                <a14:useLocalDpi xmlns:a14="http://schemas.microsoft.com/office/drawing/2010/main" val="0"/>
-              </a:ext>
-            </a:extLst>
-          </a:blip>
-          <a:stretch>
-            <a:fillRect/>
-          </a:stretch>
-        </p:blipFill>
-        <p:spPr>
-          <a:xfrm>
-            <a:off x="635458" y="1820226"/>
-            <a:ext cx="2484888" cy="1242444"/>
-          </a:xfrm>
-          <a:prstGeom prst="rect">
-            <a:avLst/>
-          </a:prstGeom>
-        </p:spPr>
-      </p:pic>
       <p:sp>
         <p:nvSpPr>
           <p:cNvPr id="79" name="Rectangle 78">
@@ -14241,7 +14574,7 @@
           <p:nvPr/>
         </p:nvPicPr>
         <p:blipFill>
-          <a:blip r:embed="rId4">
+          <a:blip r:embed="rId3">
             <a:extLst>
               <a:ext uri="{28A0092B-C50C-407E-A947-70E740481C1C}">
                 <a14:useLocalDpi xmlns:a14="http://schemas.microsoft.com/office/drawing/2010/main" val="0"/>
@@ -14347,7 +14680,7 @@
           <p:nvPr/>
         </p:nvPicPr>
         <p:blipFill>
-          <a:blip r:embed="rId5">
+          <a:blip r:embed="rId4">
             <a:extLst>
               <a:ext uri="{28A0092B-C50C-407E-A947-70E740481C1C}">
                 <a14:useLocalDpi xmlns:a14="http://schemas.microsoft.com/office/drawing/2010/main" val="0"/>
@@ -14443,7 +14776,7 @@
           <p:nvPr/>
         </p:nvPicPr>
         <p:blipFill>
-          <a:blip r:embed="rId6">
+          <a:blip r:embed="rId5">
             <a:extLst>
               <a:ext uri="{28A0092B-C50C-407E-A947-70E740481C1C}">
                 <a14:useLocalDpi xmlns:a14="http://schemas.microsoft.com/office/drawing/2010/main" val="0"/>
@@ -14627,6 +14960,81 @@
             <a:schemeClr val="lt1"/>
           </a:fontRef>
         </p:style>
+      </p:sp>
+      <p:pic>
+        <p:nvPicPr>
+          <p:cNvPr id="19" name="Imagem 18">
+            <a:extLst>
+              <a:ext uri="{FF2B5EF4-FFF2-40B4-BE49-F238E27FC236}">
+                <a16:creationId xmlns:a16="http://schemas.microsoft.com/office/drawing/2014/main" id="{3B0BA9C1-751F-45A8-957E-97A161D134A0}"/>
+              </a:ext>
+            </a:extLst>
+          </p:cNvPr>
+          <p:cNvPicPr>
+            <a:picLocks noChangeAspect="1"/>
+          </p:cNvPicPr>
+          <p:nvPr/>
+        </p:nvPicPr>
+        <p:blipFill>
+          <a:blip r:embed="rId6"/>
+          <a:stretch>
+            <a:fillRect/>
+          </a:stretch>
+        </p:blipFill>
+        <p:spPr>
+          <a:xfrm>
+            <a:off x="420030" y="1405901"/>
+            <a:ext cx="2700316" cy="924688"/>
+          </a:xfrm>
+          <a:prstGeom prst="rect">
+            <a:avLst/>
+          </a:prstGeom>
+        </p:spPr>
+      </p:pic>
+      <p:sp>
+        <p:nvSpPr>
+          <p:cNvPr id="6" name="CaixaDeTexto 5">
+            <a:extLst>
+              <a:ext uri="{FF2B5EF4-FFF2-40B4-BE49-F238E27FC236}">
+                <a16:creationId xmlns:a16="http://schemas.microsoft.com/office/drawing/2014/main" id="{68603E96-BD16-4A17-906A-F7D2230A3880}"/>
+              </a:ext>
+            </a:extLst>
+          </p:cNvPr>
+          <p:cNvSpPr txBox="1"/>
+          <p:nvPr/>
+        </p:nvSpPr>
+        <p:spPr>
+          <a:xfrm>
+            <a:off x="420030" y="2470912"/>
+            <a:ext cx="2693814" cy="646331"/>
+          </a:xfrm>
+          <a:prstGeom prst="rect">
+            <a:avLst/>
+          </a:prstGeom>
+          <a:noFill/>
+        </p:spPr>
+        <p:txBody>
+          <a:bodyPr wrap="none" rtlCol="0">
+            <a:spAutoFit/>
+          </a:bodyPr>
+          <a:lstStyle/>
+          <a:p>
+            <a:pPr algn="ctr"/>
+            <a:r>
+              <a:rPr lang="en-US" b="1" dirty="0" err="1"/>
+              <a:t>PyKnow</a:t>
+            </a:r>
+            <a:endParaRPr lang="en-US" b="1" dirty="0"/>
+          </a:p>
+          <a:p>
+            <a:pPr algn="ctr"/>
+            <a:r>
+              <a:rPr lang="en-US" dirty="0"/>
+              <a:t> Expert Systems for Python</a:t>
+            </a:r>
+            <a:endParaRPr lang="pt-PT" dirty="0"/>
+          </a:p>
+        </p:txBody>
       </p:sp>
     </p:spTree>
     <p:extLst>

--- a/Report/presentation_2.pptx
+++ b/Report/presentation_2.pptx
@@ -617,7 +617,7 @@
             </a:r>
             <a:r>
               <a:rPr lang="pt-PT" dirty="0"/>
-              <a:t> para geração de regras</a:t>
+              <a:t> para geração de regras (q permitem escolher diálogos adequados)</a:t>
             </a:r>
           </a:p>
           <a:p>
@@ -886,6 +886,297 @@
           <a:bodyPr/>
           <a:lstStyle/>
           <a:p>
+            <a:pPr marL="0" marR="0" lvl="0" indent="0" algn="l" defTabSz="914400" rtl="0" eaLnBrk="1" fontAlgn="auto" latinLnBrk="0" hangingPunct="1">
+              <a:lnSpc>
+                <a:spcPct val="100000"/>
+              </a:lnSpc>
+              <a:spcBef>
+                <a:spcPts val="0"/>
+              </a:spcBef>
+              <a:spcAft>
+                <a:spcPts val="0"/>
+              </a:spcAft>
+              <a:buClrTx/>
+              <a:buSzTx/>
+              <a:buFontTx/>
+              <a:buNone/>
+              <a:tabLst/>
+              <a:defRPr/>
+            </a:pPr>
+            <a:r>
+              <a:rPr lang="pt-PT" dirty="0"/>
+              <a:t>O rules </a:t>
+            </a:r>
+            <a:r>
+              <a:rPr lang="pt-PT" dirty="0" err="1"/>
+              <a:t>engine</a:t>
+            </a:r>
+            <a:r>
+              <a:rPr lang="pt-PT" dirty="0"/>
+              <a:t> vai gerar as regras conforme o tipo da questão, e em certos casos, com base na performance do aluno, </a:t>
+            </a:r>
+            <a:r>
+              <a:rPr lang="pt-PT" dirty="0" err="1"/>
+              <a:t>etc</a:t>
+            </a:r>
+            <a:endParaRPr lang="pt-PT" dirty="0"/>
+          </a:p>
+          <a:p>
+            <a:endParaRPr lang="pt-PT" dirty="0"/>
+          </a:p>
+        </p:txBody>
+      </p:sp>
+      <p:sp>
+        <p:nvSpPr>
+          <p:cNvPr id="4" name="Marcador de Posição do Número do Diapositivo 3"/>
+          <p:cNvSpPr>
+            <a:spLocks noGrp="1"/>
+          </p:cNvSpPr>
+          <p:nvPr>
+            <p:ph type="sldNum" sz="quarter" idx="5"/>
+          </p:nvPr>
+        </p:nvSpPr>
+        <p:spPr/>
+        <p:txBody>
+          <a:bodyPr/>
+          <a:lstStyle/>
+          <a:p>
+            <a:fld id="{F9C76EEC-3DB8-4814-A8C5-185DA6C5A9E9}" type="slidenum">
+              <a:rPr lang="pt-PT" smtClean="0"/>
+              <a:t>15</a:t>
+            </a:fld>
+            <a:endParaRPr lang="pt-PT"/>
+          </a:p>
+        </p:txBody>
+      </p:sp>
+    </p:spTree>
+    <p:extLst>
+      <p:ext uri="{BB962C8B-B14F-4D97-AF65-F5344CB8AC3E}">
+        <p14:creationId xmlns:p14="http://schemas.microsoft.com/office/powerpoint/2010/main" val="2188248633"/>
+      </p:ext>
+    </p:extLst>
+  </p:cSld>
+  <p:clrMapOvr>
+    <a:masterClrMapping/>
+  </p:clrMapOvr>
+</p:notes>
+</file>
+
+<file path=ppt/notesSlides/notesSlide14.xml><?xml version="1.0" encoding="utf-8"?>
+<p:notes xmlns:a="http://schemas.openxmlformats.org/drawingml/2006/main" xmlns:r="http://schemas.openxmlformats.org/officeDocument/2006/relationships" xmlns:p="http://schemas.openxmlformats.org/presentationml/2006/main">
+  <p:cSld>
+    <p:spTree>
+      <p:nvGrpSpPr>
+        <p:cNvPr id="1" name=""/>
+        <p:cNvGrpSpPr/>
+        <p:nvPr/>
+      </p:nvGrpSpPr>
+      <p:grpSpPr>
+        <a:xfrm>
+          <a:off x="0" y="0"/>
+          <a:ext cx="0" cy="0"/>
+          <a:chOff x="0" y="0"/>
+          <a:chExt cx="0" cy="0"/>
+        </a:xfrm>
+      </p:grpSpPr>
+      <p:sp>
+        <p:nvSpPr>
+          <p:cNvPr id="2" name="Marcador de Posição da Imagem do Diapositivo 1"/>
+          <p:cNvSpPr>
+            <a:spLocks noGrp="1" noRot="1" noChangeAspect="1"/>
+          </p:cNvSpPr>
+          <p:nvPr>
+            <p:ph type="sldImg"/>
+          </p:nvPr>
+        </p:nvSpPr>
+        <p:spPr/>
+      </p:sp>
+      <p:sp>
+        <p:nvSpPr>
+          <p:cNvPr id="3" name="Marcador de Posição de Notas 2"/>
+          <p:cNvSpPr>
+            <a:spLocks noGrp="1"/>
+          </p:cNvSpPr>
+          <p:nvPr>
+            <p:ph type="body" idx="1"/>
+          </p:nvPr>
+        </p:nvSpPr>
+        <p:spPr/>
+        <p:txBody>
+          <a:bodyPr/>
+          <a:lstStyle/>
+          <a:p>
+            <a:r>
+              <a:rPr lang="pt-PT" dirty="0"/>
+              <a:t>A regra escolhida determina coleção e zona da coleção a usar para gerar frases</a:t>
+            </a:r>
+          </a:p>
+        </p:txBody>
+      </p:sp>
+      <p:sp>
+        <p:nvSpPr>
+          <p:cNvPr id="4" name="Marcador de Posição do Número do Diapositivo 3"/>
+          <p:cNvSpPr>
+            <a:spLocks noGrp="1"/>
+          </p:cNvSpPr>
+          <p:nvPr>
+            <p:ph type="sldNum" sz="quarter" idx="5"/>
+          </p:nvPr>
+        </p:nvSpPr>
+        <p:spPr/>
+        <p:txBody>
+          <a:bodyPr/>
+          <a:lstStyle/>
+          <a:p>
+            <a:fld id="{F9C76EEC-3DB8-4814-A8C5-185DA6C5A9E9}" type="slidenum">
+              <a:rPr lang="pt-PT" smtClean="0"/>
+              <a:t>16</a:t>
+            </a:fld>
+            <a:endParaRPr lang="pt-PT"/>
+          </a:p>
+        </p:txBody>
+      </p:sp>
+    </p:spTree>
+    <p:extLst>
+      <p:ext uri="{BB962C8B-B14F-4D97-AF65-F5344CB8AC3E}">
+        <p14:creationId xmlns:p14="http://schemas.microsoft.com/office/powerpoint/2010/main" val="965370611"/>
+      </p:ext>
+    </p:extLst>
+  </p:cSld>
+  <p:clrMapOvr>
+    <a:masterClrMapping/>
+  </p:clrMapOvr>
+</p:notes>
+</file>
+
+<file path=ppt/notesSlides/notesSlide15.xml><?xml version="1.0" encoding="utf-8"?>
+<p:notes xmlns:a="http://schemas.openxmlformats.org/drawingml/2006/main" xmlns:r="http://schemas.openxmlformats.org/officeDocument/2006/relationships" xmlns:p="http://schemas.openxmlformats.org/presentationml/2006/main">
+  <p:cSld>
+    <p:spTree>
+      <p:nvGrpSpPr>
+        <p:cNvPr id="1" name=""/>
+        <p:cNvGrpSpPr/>
+        <p:nvPr/>
+      </p:nvGrpSpPr>
+      <p:grpSpPr>
+        <a:xfrm>
+          <a:off x="0" y="0"/>
+          <a:ext cx="0" cy="0"/>
+          <a:chOff x="0" y="0"/>
+          <a:chExt cx="0" cy="0"/>
+        </a:xfrm>
+      </p:grpSpPr>
+      <p:sp>
+        <p:nvSpPr>
+          <p:cNvPr id="2" name="Marcador de Posição da Imagem do Diapositivo 1"/>
+          <p:cNvSpPr>
+            <a:spLocks noGrp="1" noRot="1" noChangeAspect="1"/>
+          </p:cNvSpPr>
+          <p:nvPr>
+            <p:ph type="sldImg"/>
+          </p:nvPr>
+        </p:nvSpPr>
+        <p:spPr/>
+      </p:sp>
+      <p:sp>
+        <p:nvSpPr>
+          <p:cNvPr id="3" name="Marcador de Posição de Notas 2"/>
+          <p:cNvSpPr>
+            <a:spLocks noGrp="1"/>
+          </p:cNvSpPr>
+          <p:nvPr>
+            <p:ph type="body" idx="1"/>
+          </p:nvPr>
+        </p:nvSpPr>
+        <p:spPr/>
+        <p:txBody>
+          <a:bodyPr/>
+          <a:lstStyle/>
+          <a:p>
+            <a:endParaRPr lang="pt-PT" dirty="0"/>
+          </a:p>
+        </p:txBody>
+      </p:sp>
+      <p:sp>
+        <p:nvSpPr>
+          <p:cNvPr id="4" name="Marcador de Posição do Número do Diapositivo 3"/>
+          <p:cNvSpPr>
+            <a:spLocks noGrp="1"/>
+          </p:cNvSpPr>
+          <p:nvPr>
+            <p:ph type="sldNum" sz="quarter" idx="5"/>
+          </p:nvPr>
+        </p:nvSpPr>
+        <p:spPr/>
+        <p:txBody>
+          <a:bodyPr/>
+          <a:lstStyle/>
+          <a:p>
+            <a:fld id="{F9C76EEC-3DB8-4814-A8C5-185DA6C5A9E9}" type="slidenum">
+              <a:rPr lang="pt-PT" smtClean="0"/>
+              <a:t>17</a:t>
+            </a:fld>
+            <a:endParaRPr lang="pt-PT"/>
+          </a:p>
+        </p:txBody>
+      </p:sp>
+    </p:spTree>
+    <p:extLst>
+      <p:ext uri="{BB962C8B-B14F-4D97-AF65-F5344CB8AC3E}">
+        <p14:creationId xmlns:p14="http://schemas.microsoft.com/office/powerpoint/2010/main" val="2359402460"/>
+      </p:ext>
+    </p:extLst>
+  </p:cSld>
+  <p:clrMapOvr>
+    <a:masterClrMapping/>
+  </p:clrMapOvr>
+</p:notes>
+</file>
+
+<file path=ppt/notesSlides/notesSlide16.xml><?xml version="1.0" encoding="utf-8"?>
+<p:notes xmlns:a="http://schemas.openxmlformats.org/drawingml/2006/main" xmlns:r="http://schemas.openxmlformats.org/officeDocument/2006/relationships" xmlns:p="http://schemas.openxmlformats.org/presentationml/2006/main">
+  <p:cSld>
+    <p:spTree>
+      <p:nvGrpSpPr>
+        <p:cNvPr id="1" name=""/>
+        <p:cNvGrpSpPr/>
+        <p:nvPr/>
+      </p:nvGrpSpPr>
+      <p:grpSpPr>
+        <a:xfrm>
+          <a:off x="0" y="0"/>
+          <a:ext cx="0" cy="0"/>
+          <a:chOff x="0" y="0"/>
+          <a:chExt cx="0" cy="0"/>
+        </a:xfrm>
+      </p:grpSpPr>
+      <p:sp>
+        <p:nvSpPr>
+          <p:cNvPr id="2" name="Marcador de Posição da Imagem do Diapositivo 1"/>
+          <p:cNvSpPr>
+            <a:spLocks noGrp="1" noRot="1" noChangeAspect="1"/>
+          </p:cNvSpPr>
+          <p:nvPr>
+            <p:ph type="sldImg"/>
+          </p:nvPr>
+        </p:nvSpPr>
+        <p:spPr/>
+      </p:sp>
+      <p:sp>
+        <p:nvSpPr>
+          <p:cNvPr id="3" name="Marcador de Posição de Notas 2"/>
+          <p:cNvSpPr>
+            <a:spLocks noGrp="1"/>
+          </p:cNvSpPr>
+          <p:nvPr>
+            <p:ph type="body" idx="1"/>
+          </p:nvPr>
+        </p:nvSpPr>
+        <p:spPr/>
+        <p:txBody>
+          <a:bodyPr/>
+          <a:lstStyle/>
+          <a:p>
             <a:endParaRPr lang="pt-PT" dirty="0"/>
           </a:p>
         </p:txBody>
@@ -926,7 +1217,7 @@
 </p:notes>
 </file>
 
-<file path=ppt/notesSlides/notesSlide14.xml><?xml version="1.0" encoding="utf-8"?>
+<file path=ppt/notesSlides/notesSlide17.xml><?xml version="1.0" encoding="utf-8"?>
 <p:notes xmlns:a="http://schemas.openxmlformats.org/drawingml/2006/main" xmlns:r="http://schemas.openxmlformats.org/officeDocument/2006/relationships" xmlns:p="http://schemas.openxmlformats.org/presentationml/2006/main">
   <p:cSld>
     <p:spTree>
@@ -10333,7 +10624,7 @@
           <p:nvPr/>
         </p:nvPicPr>
         <p:blipFill>
-          <a:blip r:embed="rId2">
+          <a:blip r:embed="rId3">
             <a:extLst>
               <a:ext uri="{28A0092B-C50C-407E-A947-70E740481C1C}">
                 <a14:useLocalDpi xmlns:a14="http://schemas.microsoft.com/office/drawing/2010/main" val="0"/>
@@ -10571,7 +10862,7 @@
           <p:nvPr/>
         </p:nvPicPr>
         <p:blipFill>
-          <a:blip r:embed="rId2">
+          <a:blip r:embed="rId3">
             <a:extLst>
               <a:ext uri="{28A0092B-C50C-407E-A947-70E740481C1C}">
                 <a14:useLocalDpi xmlns:a14="http://schemas.microsoft.com/office/drawing/2010/main" val="0"/>
@@ -10967,7 +11258,7 @@
           <p:nvPr/>
         </p:nvPicPr>
         <p:blipFill>
-          <a:blip r:embed="rId2">
+          <a:blip r:embed="rId3">
             <a:extLst>
               <a:ext uri="{28A0092B-C50C-407E-A947-70E740481C1C}">
                 <a14:useLocalDpi xmlns:a14="http://schemas.microsoft.com/office/drawing/2010/main" val="0"/>
